--- a/presentations/archive/Engineering II.pptx
+++ b/presentations/archive/Engineering II.pptx
@@ -5,28 +5,27 @@
     <p:sldMasterId id="2147483648" r:id="rId1"/>
   </p:sldMasterIdLst>
   <p:notesMasterIdLst>
-    <p:notesMasterId r:id="rId21"/>
+    <p:notesMasterId r:id="rId20"/>
   </p:notesMasterIdLst>
   <p:sldIdLst>
     <p:sldId id="256" r:id="rId2"/>
     <p:sldId id="257" r:id="rId3"/>
     <p:sldId id="258" r:id="rId4"/>
     <p:sldId id="259" r:id="rId5"/>
-    <p:sldId id="260" r:id="rId6"/>
-    <p:sldId id="261" r:id="rId7"/>
-    <p:sldId id="262" r:id="rId8"/>
-    <p:sldId id="263" r:id="rId9"/>
-    <p:sldId id="264" r:id="rId10"/>
-    <p:sldId id="265" r:id="rId11"/>
-    <p:sldId id="274" r:id="rId12"/>
-    <p:sldId id="266" r:id="rId13"/>
-    <p:sldId id="267" r:id="rId14"/>
-    <p:sldId id="273" r:id="rId15"/>
-    <p:sldId id="272" r:id="rId16"/>
-    <p:sldId id="268" r:id="rId17"/>
-    <p:sldId id="269" r:id="rId18"/>
-    <p:sldId id="271" r:id="rId19"/>
-    <p:sldId id="270" r:id="rId20"/>
+    <p:sldId id="261" r:id="rId6"/>
+    <p:sldId id="262" r:id="rId7"/>
+    <p:sldId id="263" r:id="rId8"/>
+    <p:sldId id="264" r:id="rId9"/>
+    <p:sldId id="265" r:id="rId10"/>
+    <p:sldId id="274" r:id="rId11"/>
+    <p:sldId id="266" r:id="rId12"/>
+    <p:sldId id="267" r:id="rId13"/>
+    <p:sldId id="273" r:id="rId14"/>
+    <p:sldId id="272" r:id="rId15"/>
+    <p:sldId id="268" r:id="rId16"/>
+    <p:sldId id="269" r:id="rId17"/>
+    <p:sldId id="271" r:id="rId18"/>
+    <p:sldId id="270" r:id="rId19"/>
   </p:sldIdLst>
   <p:sldSz cx="12192000" cy="6858000"/>
   <p:notesSz cx="6858000" cy="9144000"/>
@@ -125,6 +124,11 @@
       </a:defRPr>
     </a:lvl9pPr>
   </p:defaultTextStyle>
+  <p:extLst>
+    <p:ext uri="{EFAFB233-063F-42B5-8137-9DF3F51BA10A}">
+      <p15:sldGuideLst xmlns:p15="http://schemas.microsoft.com/office/powerpoint/2012/main"/>
+    </p:ext>
+  </p:extLst>
 </p:presentation>
 </file>
 
@@ -210,7 +214,7 @@
           <a:p>
             <a:fld id="{254E7809-B314-0848-BD10-008E640D171D}" type="datetimeFigureOut">
               <a:rPr lang="en-US" smtClean="0"/>
-              <a:t>1/15/18</a:t>
+              <a:t>1/16/18</a:t>
             </a:fld>
             <a:endParaRPr lang="en-US"/>
           </a:p>
@@ -609,7 +613,7 @@
           <a:p>
             <a:fld id="{EEF64939-D0A7-5246-A7FD-D9A66F2D6525}" type="datetimeFigureOut">
               <a:rPr lang="en-US" smtClean="0"/>
-              <a:t>1/14/18</a:t>
+              <a:t>1/16/18</a:t>
             </a:fld>
             <a:endParaRPr lang="en-US"/>
           </a:p>
@@ -779,7 +783,7 @@
           <a:p>
             <a:fld id="{EEF64939-D0A7-5246-A7FD-D9A66F2D6525}" type="datetimeFigureOut">
               <a:rPr lang="en-US" smtClean="0"/>
-              <a:t>1/15/18</a:t>
+              <a:t>1/16/18</a:t>
             </a:fld>
             <a:endParaRPr lang="en-US"/>
           </a:p>
@@ -959,7 +963,7 @@
           <a:p>
             <a:fld id="{EEF64939-D0A7-5246-A7FD-D9A66F2D6525}" type="datetimeFigureOut">
               <a:rPr lang="en-US" smtClean="0"/>
-              <a:t>1/15/18</a:t>
+              <a:t>1/16/18</a:t>
             </a:fld>
             <a:endParaRPr lang="en-US"/>
           </a:p>
@@ -1129,7 +1133,7 @@
           <a:p>
             <a:fld id="{EEF64939-D0A7-5246-A7FD-D9A66F2D6525}" type="datetimeFigureOut">
               <a:rPr lang="en-US" smtClean="0"/>
-              <a:t>1/14/18</a:t>
+              <a:t>1/16/18</a:t>
             </a:fld>
             <a:endParaRPr lang="en-US"/>
           </a:p>
@@ -1375,7 +1379,7 @@
           <a:p>
             <a:fld id="{EEF64939-D0A7-5246-A7FD-D9A66F2D6525}" type="datetimeFigureOut">
               <a:rPr lang="en-US" smtClean="0"/>
-              <a:t>1/15/18</a:t>
+              <a:t>1/16/18</a:t>
             </a:fld>
             <a:endParaRPr lang="en-US"/>
           </a:p>
@@ -1607,7 +1611,7 @@
           <a:p>
             <a:fld id="{EEF64939-D0A7-5246-A7FD-D9A66F2D6525}" type="datetimeFigureOut">
               <a:rPr lang="en-US" smtClean="0"/>
-              <a:t>1/15/18</a:t>
+              <a:t>1/16/18</a:t>
             </a:fld>
             <a:endParaRPr lang="en-US"/>
           </a:p>
@@ -1974,7 +1978,7 @@
           <a:p>
             <a:fld id="{EEF64939-D0A7-5246-A7FD-D9A66F2D6525}" type="datetimeFigureOut">
               <a:rPr lang="en-US" smtClean="0"/>
-              <a:t>1/15/18</a:t>
+              <a:t>1/16/18</a:t>
             </a:fld>
             <a:endParaRPr lang="en-US"/>
           </a:p>
@@ -2092,7 +2096,7 @@
           <a:p>
             <a:fld id="{EEF64939-D0A7-5246-A7FD-D9A66F2D6525}" type="datetimeFigureOut">
               <a:rPr lang="en-US" smtClean="0"/>
-              <a:t>1/15/18</a:t>
+              <a:t>1/16/18</a:t>
             </a:fld>
             <a:endParaRPr lang="en-US"/>
           </a:p>
@@ -2187,7 +2191,7 @@
           <a:p>
             <a:fld id="{EEF64939-D0A7-5246-A7FD-D9A66F2D6525}" type="datetimeFigureOut">
               <a:rPr lang="en-US" smtClean="0"/>
-              <a:t>1/15/18</a:t>
+              <a:t>1/16/18</a:t>
             </a:fld>
             <a:endParaRPr lang="en-US"/>
           </a:p>
@@ -2464,7 +2468,7 @@
           <a:p>
             <a:fld id="{EEF64939-D0A7-5246-A7FD-D9A66F2D6525}" type="datetimeFigureOut">
               <a:rPr lang="en-US" smtClean="0"/>
-              <a:t>1/15/18</a:t>
+              <a:t>1/16/18</a:t>
             </a:fld>
             <a:endParaRPr lang="en-US"/>
           </a:p>
@@ -2717,7 +2721,7 @@
           <a:p>
             <a:fld id="{EEF64939-D0A7-5246-A7FD-D9A66F2D6525}" type="datetimeFigureOut">
               <a:rPr lang="en-US" smtClean="0"/>
-              <a:t>1/15/18</a:t>
+              <a:t>1/16/18</a:t>
             </a:fld>
             <a:endParaRPr lang="en-US"/>
           </a:p>
@@ -2930,7 +2934,7 @@
           <a:p>
             <a:fld id="{EEF64939-D0A7-5246-A7FD-D9A66F2D6525}" type="datetimeFigureOut">
               <a:rPr lang="en-US" smtClean="0"/>
-              <a:t>1/14/18</a:t>
+              <a:t>1/16/18</a:t>
             </a:fld>
             <a:endParaRPr lang="en-US"/>
           </a:p>
@@ -3424,7 +3428,7 @@
           <a:p>
             <a:r>
               <a:rPr lang="en-US" dirty="0" smtClean="0"/>
-              <a:t>1. Problem Statement: Designing a satellite</a:t>
+              <a:t>2. Define System Objectives</a:t>
             </a:r>
             <a:endParaRPr lang="en-US" dirty="0"/>
           </a:p>
@@ -3448,10 +3452,6 @@
             <a:pPr marL="0" indent="0">
               <a:buNone/>
             </a:pPr>
-            <a:r>
-              <a:rPr lang="en-US" dirty="0" smtClean="0"/>
-              <a:t>I want to create a system that can take pictures of Kazakhstan from space</a:t>
-            </a:r>
             <a:endParaRPr lang="en-US" dirty="0"/>
           </a:p>
         </p:txBody>
@@ -3459,7 +3459,7 @@
     </p:spTree>
     <p:extLst>
       <p:ext uri="{BB962C8B-B14F-4D97-AF65-F5344CB8AC3E}">
-        <p14:creationId xmlns:p14="http://schemas.microsoft.com/office/powerpoint/2010/main" val="857986646"/>
+        <p14:creationId xmlns:p14="http://schemas.microsoft.com/office/powerpoint/2010/main" val="695789403"/>
       </p:ext>
     </p:extLst>
   </p:cSld>
@@ -3527,6 +3527,10 @@
             <a:pPr marL="0" indent="0">
               <a:buNone/>
             </a:pPr>
+            <a:r>
+              <a:rPr lang="en-US" dirty="0" smtClean="0"/>
+              <a:t>Take a picture of all of Kazakhstan from space everyday for a year and send them back to Earth so we can look at them!</a:t>
+            </a:r>
             <a:endParaRPr lang="en-US" dirty="0"/>
           </a:p>
         </p:txBody>
@@ -3534,7 +3538,7 @@
     </p:spTree>
     <p:extLst>
       <p:ext uri="{BB962C8B-B14F-4D97-AF65-F5344CB8AC3E}">
-        <p14:creationId xmlns:p14="http://schemas.microsoft.com/office/powerpoint/2010/main" val="695789403"/>
+        <p14:creationId xmlns:p14="http://schemas.microsoft.com/office/powerpoint/2010/main" val="1947096827"/>
       </p:ext>
     </p:extLst>
   </p:cSld>
@@ -3578,7 +3582,7 @@
           <a:p>
             <a:r>
               <a:rPr lang="en-US" dirty="0" smtClean="0"/>
-              <a:t>2. Define System Objectives</a:t>
+              <a:t>3. Define System Requirements</a:t>
             </a:r>
             <a:endParaRPr lang="en-US" dirty="0"/>
           </a:p>
@@ -3599,13 +3603,17 @@
           <a:bodyPr/>
           <a:lstStyle/>
           <a:p>
-            <a:pPr marL="0" indent="0">
-              <a:buNone/>
+            <a:pPr marL="514350" indent="-514350">
+              <a:buFont typeface="+mj-lt"/>
+              <a:buAutoNum type="arabicPeriod"/>
             </a:pPr>
-            <a:r>
-              <a:rPr lang="en-US" dirty="0" smtClean="0"/>
-              <a:t>Take a picture of all of Kazakhstan from space everyday for a year and send them back to Earth so we can look at them!</a:t>
-            </a:r>
+            <a:endParaRPr lang="en-US" dirty="0" smtClean="0"/>
+          </a:p>
+          <a:p>
+            <a:pPr marL="514350" indent="-514350">
+              <a:buFont typeface="+mj-lt"/>
+              <a:buAutoNum type="arabicPeriod"/>
+            </a:pPr>
             <a:endParaRPr lang="en-US" dirty="0"/>
           </a:p>
         </p:txBody>
@@ -3613,7 +3621,7 @@
     </p:spTree>
     <p:extLst>
       <p:ext uri="{BB962C8B-B14F-4D97-AF65-F5344CB8AC3E}">
-        <p14:creationId xmlns:p14="http://schemas.microsoft.com/office/powerpoint/2010/main" val="1947096827"/>
+        <p14:creationId xmlns:p14="http://schemas.microsoft.com/office/powerpoint/2010/main" val="1634843324"/>
       </p:ext>
     </p:extLst>
   </p:cSld>
@@ -3682,6 +3690,46 @@
               <a:buFont typeface="+mj-lt"/>
               <a:buAutoNum type="arabicPeriod"/>
             </a:pPr>
+            <a:r>
+              <a:rPr lang="en-US" dirty="0" smtClean="0"/>
+              <a:t>The system shall orbit the Earth at a height of at least 500km</a:t>
+            </a:r>
+          </a:p>
+          <a:p>
+            <a:pPr marL="514350" indent="-514350">
+              <a:buFont typeface="+mj-lt"/>
+              <a:buAutoNum type="arabicPeriod"/>
+            </a:pPr>
+            <a:r>
+              <a:rPr lang="en-US" dirty="0" smtClean="0"/>
+              <a:t>The system shall take pictures of Kazakhstan at least once a day</a:t>
+            </a:r>
+          </a:p>
+          <a:p>
+            <a:pPr marL="514350" indent="-514350">
+              <a:buFont typeface="+mj-lt"/>
+              <a:buAutoNum type="arabicPeriod"/>
+            </a:pPr>
+            <a:r>
+              <a:rPr lang="en-US" dirty="0" smtClean="0"/>
+              <a:t>The system shall remain in space for at least one year</a:t>
+            </a:r>
+          </a:p>
+          <a:p>
+            <a:pPr marL="514350" indent="-514350">
+              <a:buFont typeface="+mj-lt"/>
+              <a:buAutoNum type="arabicPeriod"/>
+            </a:pPr>
+            <a:r>
+              <a:rPr lang="en-US" dirty="0" smtClean="0"/>
+              <a:t>The system shall be able to send its pictures back to Earth every day</a:t>
+            </a:r>
+          </a:p>
+          <a:p>
+            <a:pPr marL="514350" indent="-514350">
+              <a:buFont typeface="+mj-lt"/>
+              <a:buAutoNum type="arabicPeriod"/>
+            </a:pPr>
             <a:endParaRPr lang="en-US" dirty="0" smtClean="0"/>
           </a:p>
           <a:p>
@@ -3696,7 +3744,7 @@
     </p:spTree>
     <p:extLst>
       <p:ext uri="{BB962C8B-B14F-4D97-AF65-F5344CB8AC3E}">
-        <p14:creationId xmlns:p14="http://schemas.microsoft.com/office/powerpoint/2010/main" val="1634843324"/>
+        <p14:creationId xmlns:p14="http://schemas.microsoft.com/office/powerpoint/2010/main" val="1615469773"/>
       </p:ext>
     </p:extLst>
   </p:cSld>
@@ -3740,129 +3788,6 @@
           <a:p>
             <a:r>
               <a:rPr lang="en-US" dirty="0" smtClean="0"/>
-              <a:t>3. Define System Requirements</a:t>
-            </a:r>
-            <a:endParaRPr lang="en-US" dirty="0"/>
-          </a:p>
-        </p:txBody>
-      </p:sp>
-      <p:sp>
-        <p:nvSpPr>
-          <p:cNvPr id="3" name="Content Placeholder 2"/>
-          <p:cNvSpPr>
-            <a:spLocks noGrp="1"/>
-          </p:cNvSpPr>
-          <p:nvPr>
-            <p:ph idx="1"/>
-          </p:nvPr>
-        </p:nvSpPr>
-        <p:spPr/>
-        <p:txBody>
-          <a:bodyPr/>
-          <a:lstStyle/>
-          <a:p>
-            <a:pPr marL="514350" indent="-514350">
-              <a:buFont typeface="+mj-lt"/>
-              <a:buAutoNum type="arabicPeriod"/>
-            </a:pPr>
-            <a:r>
-              <a:rPr lang="en-US" dirty="0" smtClean="0"/>
-              <a:t>The system shall orbit the Earth at a height of at least 500km</a:t>
-            </a:r>
-          </a:p>
-          <a:p>
-            <a:pPr marL="514350" indent="-514350">
-              <a:buFont typeface="+mj-lt"/>
-              <a:buAutoNum type="arabicPeriod"/>
-            </a:pPr>
-            <a:r>
-              <a:rPr lang="en-US" dirty="0" smtClean="0"/>
-              <a:t>The system shall take pictures of Kazakhstan at least once a day</a:t>
-            </a:r>
-          </a:p>
-          <a:p>
-            <a:pPr marL="514350" indent="-514350">
-              <a:buFont typeface="+mj-lt"/>
-              <a:buAutoNum type="arabicPeriod"/>
-            </a:pPr>
-            <a:r>
-              <a:rPr lang="en-US" dirty="0" smtClean="0"/>
-              <a:t>The system shall remain in space for at least one year</a:t>
-            </a:r>
-          </a:p>
-          <a:p>
-            <a:pPr marL="514350" indent="-514350">
-              <a:buFont typeface="+mj-lt"/>
-              <a:buAutoNum type="arabicPeriod"/>
-            </a:pPr>
-            <a:r>
-              <a:rPr lang="en-US" dirty="0" smtClean="0"/>
-              <a:t>The system shall be able to send its pictures back to Earth every day</a:t>
-            </a:r>
-          </a:p>
-          <a:p>
-            <a:pPr marL="514350" indent="-514350">
-              <a:buFont typeface="+mj-lt"/>
-              <a:buAutoNum type="arabicPeriod"/>
-            </a:pPr>
-            <a:endParaRPr lang="en-US" dirty="0" smtClean="0"/>
-          </a:p>
-          <a:p>
-            <a:pPr marL="514350" indent="-514350">
-              <a:buFont typeface="+mj-lt"/>
-              <a:buAutoNum type="arabicPeriod"/>
-            </a:pPr>
-            <a:endParaRPr lang="en-US" dirty="0"/>
-          </a:p>
-        </p:txBody>
-      </p:sp>
-    </p:spTree>
-    <p:extLst>
-      <p:ext uri="{BB962C8B-B14F-4D97-AF65-F5344CB8AC3E}">
-        <p14:creationId xmlns:p14="http://schemas.microsoft.com/office/powerpoint/2010/main" val="1615469773"/>
-      </p:ext>
-    </p:extLst>
-  </p:cSld>
-  <p:clrMapOvr>
-    <a:masterClrMapping/>
-  </p:clrMapOvr>
-</p:sld>
-</file>
-
-<file path=ppt/slides/slide15.xml><?xml version="1.0" encoding="utf-8"?>
-<p:sld xmlns:a="http://schemas.openxmlformats.org/drawingml/2006/main" xmlns:r="http://schemas.openxmlformats.org/officeDocument/2006/relationships" xmlns:p="http://schemas.openxmlformats.org/presentationml/2006/main">
-  <p:cSld>
-    <p:spTree>
-      <p:nvGrpSpPr>
-        <p:cNvPr id="1" name=""/>
-        <p:cNvGrpSpPr/>
-        <p:nvPr/>
-      </p:nvGrpSpPr>
-      <p:grpSpPr>
-        <a:xfrm>
-          <a:off x="0" y="0"/>
-          <a:ext cx="0" cy="0"/>
-          <a:chOff x="0" y="0"/>
-          <a:chExt cx="0" cy="0"/>
-        </a:xfrm>
-      </p:grpSpPr>
-      <p:sp>
-        <p:nvSpPr>
-          <p:cNvPr id="2" name="Title 1"/>
-          <p:cNvSpPr>
-            <a:spLocks noGrp="1"/>
-          </p:cNvSpPr>
-          <p:nvPr>
-            <p:ph type="title"/>
-          </p:nvPr>
-        </p:nvSpPr>
-        <p:spPr/>
-        <p:txBody>
-          <a:bodyPr/>
-          <a:lstStyle/>
-          <a:p>
-            <a:r>
-              <a:rPr lang="en-US" dirty="0" smtClean="0"/>
               <a:t>4. Define Subsystem Objectives</a:t>
             </a:r>
             <a:endParaRPr lang="en-US" dirty="0"/>
@@ -3926,7 +3851,7 @@
 </p:sld>
 </file>
 
-<file path=ppt/slides/slide16.xml><?xml version="1.0" encoding="utf-8"?>
+<file path=ppt/slides/slide15.xml><?xml version="1.0" encoding="utf-8"?>
 <p:sld xmlns:a="http://schemas.openxmlformats.org/drawingml/2006/main" xmlns:r="http://schemas.openxmlformats.org/officeDocument/2006/relationships" xmlns:p="http://schemas.openxmlformats.org/presentationml/2006/main">
   <p:cSld>
     <p:spTree>
@@ -4335,6 +4260,831 @@
 </p:sld>
 </file>
 
+<file path=ppt/slides/slide16.xml><?xml version="1.0" encoding="utf-8"?>
+<p:sld xmlns:a="http://schemas.openxmlformats.org/drawingml/2006/main" xmlns:r="http://schemas.openxmlformats.org/officeDocument/2006/relationships" xmlns:p="http://schemas.openxmlformats.org/presentationml/2006/main">
+  <p:cSld>
+    <p:spTree>
+      <p:nvGrpSpPr>
+        <p:cNvPr id="1" name=""/>
+        <p:cNvGrpSpPr/>
+        <p:nvPr/>
+      </p:nvGrpSpPr>
+      <p:grpSpPr>
+        <a:xfrm>
+          <a:off x="0" y="0"/>
+          <a:ext cx="0" cy="0"/>
+          <a:chOff x="0" y="0"/>
+          <a:chExt cx="0" cy="0"/>
+        </a:xfrm>
+      </p:grpSpPr>
+      <p:sp>
+        <p:nvSpPr>
+          <p:cNvPr id="2" name="Title 1"/>
+          <p:cNvSpPr>
+            <a:spLocks noGrp="1"/>
+          </p:cNvSpPr>
+          <p:nvPr>
+            <p:ph type="title"/>
+          </p:nvPr>
+        </p:nvSpPr>
+        <p:spPr/>
+        <p:txBody>
+          <a:bodyPr/>
+          <a:lstStyle/>
+          <a:p>
+            <a:r>
+              <a:rPr lang="en-US" dirty="0" smtClean="0"/>
+              <a:t>5. Define Subsystem Requirements</a:t>
+            </a:r>
+            <a:endParaRPr lang="en-US" dirty="0"/>
+          </a:p>
+        </p:txBody>
+      </p:sp>
+      <p:sp>
+        <p:nvSpPr>
+          <p:cNvPr id="5" name="Content Placeholder 4"/>
+          <p:cNvSpPr>
+            <a:spLocks noGrp="1"/>
+          </p:cNvSpPr>
+          <p:nvPr>
+            <p:ph idx="1"/>
+          </p:nvPr>
+        </p:nvSpPr>
+        <p:spPr>
+          <a:xfrm>
+            <a:off x="838200" y="1603169"/>
+            <a:ext cx="2570018" cy="4821382"/>
+          </a:xfrm>
+        </p:spPr>
+        <p:txBody>
+          <a:bodyPr/>
+          <a:lstStyle/>
+          <a:p>
+            <a:pPr marL="0" marR="0" lvl="0" indent="0" defTabSz="914400" eaLnBrk="1" fontAlgn="auto" latinLnBrk="0" hangingPunct="1">
+              <a:lnSpc>
+                <a:spcPct val="100000"/>
+              </a:lnSpc>
+              <a:spcBef>
+                <a:spcPts val="0"/>
+              </a:spcBef>
+              <a:spcAft>
+                <a:spcPts val="0"/>
+              </a:spcAft>
+              <a:buClrTx/>
+              <a:buSzTx/>
+              <a:buNone/>
+              <a:tabLst/>
+              <a:defRPr/>
+            </a:pPr>
+            <a:r>
+              <a:rPr lang="en-US" b="1" dirty="0" smtClean="0"/>
+              <a:t>1   Orbit</a:t>
+            </a:r>
+            <a:endParaRPr lang="en-US" dirty="0" smtClean="0"/>
+          </a:p>
+          <a:p>
+            <a:pPr marL="514350" marR="0" lvl="0" indent="-514350" defTabSz="914400" eaLnBrk="1" fontAlgn="auto" latinLnBrk="0" hangingPunct="1">
+              <a:lnSpc>
+                <a:spcPct val="100000"/>
+              </a:lnSpc>
+              <a:spcBef>
+                <a:spcPts val="0"/>
+              </a:spcBef>
+              <a:spcAft>
+                <a:spcPts val="0"/>
+              </a:spcAft>
+              <a:buClrTx/>
+              <a:buSzTx/>
+              <a:buFontTx/>
+              <a:buAutoNum type="arabicPeriod"/>
+              <a:tabLst/>
+              <a:defRPr/>
+            </a:pPr>
+            <a:endParaRPr lang="en-US" b="1" dirty="0"/>
+          </a:p>
+        </p:txBody>
+      </p:sp>
+      <p:sp>
+        <p:nvSpPr>
+          <p:cNvPr id="6" name="Content Placeholder 4"/>
+          <p:cNvSpPr txBox="1">
+            <a:spLocks/>
+          </p:cNvSpPr>
+          <p:nvPr/>
+        </p:nvSpPr>
+        <p:spPr>
+          <a:xfrm>
+            <a:off x="3408218" y="1603169"/>
+            <a:ext cx="2570018" cy="4821382"/>
+          </a:xfrm>
+          <a:prstGeom prst="rect">
+            <a:avLst/>
+          </a:prstGeom>
+        </p:spPr>
+        <p:txBody>
+          <a:bodyPr vert="horz" lIns="91440" tIns="45720" rIns="91440" bIns="45720" rtlCol="0">
+            <a:normAutofit/>
+          </a:bodyPr>
+          <a:lstStyle>
+            <a:lvl1pPr marL="228600" indent="-228600" algn="l" defTabSz="914400" rtl="0" eaLnBrk="1" latinLnBrk="0" hangingPunct="1">
+              <a:lnSpc>
+                <a:spcPct val="90000"/>
+              </a:lnSpc>
+              <a:spcBef>
+                <a:spcPts val="1000"/>
+              </a:spcBef>
+              <a:buFont typeface="Arial"/>
+              <a:buChar char="•"/>
+              <a:defRPr sz="2800" kern="1200">
+                <a:solidFill>
+                  <a:schemeClr val="tx1"/>
+                </a:solidFill>
+                <a:latin typeface="+mn-lt"/>
+                <a:ea typeface="+mn-ea"/>
+                <a:cs typeface="+mn-cs"/>
+              </a:defRPr>
+            </a:lvl1pPr>
+            <a:lvl2pPr marL="685800" indent="-228600" algn="l" defTabSz="914400" rtl="0" eaLnBrk="1" latinLnBrk="0" hangingPunct="1">
+              <a:lnSpc>
+                <a:spcPct val="90000"/>
+              </a:lnSpc>
+              <a:spcBef>
+                <a:spcPts val="500"/>
+              </a:spcBef>
+              <a:buFont typeface="Arial"/>
+              <a:buChar char="•"/>
+              <a:defRPr sz="2400" kern="1200">
+                <a:solidFill>
+                  <a:schemeClr val="tx1"/>
+                </a:solidFill>
+                <a:latin typeface="+mn-lt"/>
+                <a:ea typeface="+mn-ea"/>
+                <a:cs typeface="+mn-cs"/>
+              </a:defRPr>
+            </a:lvl2pPr>
+            <a:lvl3pPr marL="1143000" indent="-228600" algn="l" defTabSz="914400" rtl="0" eaLnBrk="1" latinLnBrk="0" hangingPunct="1">
+              <a:lnSpc>
+                <a:spcPct val="90000"/>
+              </a:lnSpc>
+              <a:spcBef>
+                <a:spcPts val="500"/>
+              </a:spcBef>
+              <a:buFont typeface="Arial"/>
+              <a:buChar char="•"/>
+              <a:defRPr sz="2000" kern="1200">
+                <a:solidFill>
+                  <a:schemeClr val="tx1"/>
+                </a:solidFill>
+                <a:latin typeface="+mn-lt"/>
+                <a:ea typeface="+mn-ea"/>
+                <a:cs typeface="+mn-cs"/>
+              </a:defRPr>
+            </a:lvl3pPr>
+            <a:lvl4pPr marL="1600200" indent="-228600" algn="l" defTabSz="914400" rtl="0" eaLnBrk="1" latinLnBrk="0" hangingPunct="1">
+              <a:lnSpc>
+                <a:spcPct val="90000"/>
+              </a:lnSpc>
+              <a:spcBef>
+                <a:spcPts val="500"/>
+              </a:spcBef>
+              <a:buFont typeface="Arial"/>
+              <a:buChar char="•"/>
+              <a:defRPr sz="1800" kern="1200">
+                <a:solidFill>
+                  <a:schemeClr val="tx1"/>
+                </a:solidFill>
+                <a:latin typeface="+mn-lt"/>
+                <a:ea typeface="+mn-ea"/>
+                <a:cs typeface="+mn-cs"/>
+              </a:defRPr>
+            </a:lvl4pPr>
+            <a:lvl5pPr marL="2057400" indent="-228600" algn="l" defTabSz="914400" rtl="0" eaLnBrk="1" latinLnBrk="0" hangingPunct="1">
+              <a:lnSpc>
+                <a:spcPct val="90000"/>
+              </a:lnSpc>
+              <a:spcBef>
+                <a:spcPts val="500"/>
+              </a:spcBef>
+              <a:buFont typeface="Arial"/>
+              <a:buChar char="•"/>
+              <a:defRPr sz="1800" kern="1200">
+                <a:solidFill>
+                  <a:schemeClr val="tx1"/>
+                </a:solidFill>
+                <a:latin typeface="+mn-lt"/>
+                <a:ea typeface="+mn-ea"/>
+                <a:cs typeface="+mn-cs"/>
+              </a:defRPr>
+            </a:lvl5pPr>
+            <a:lvl6pPr marL="2514600" indent="-228600" algn="l" defTabSz="914400" rtl="0" eaLnBrk="1" latinLnBrk="0" hangingPunct="1">
+              <a:lnSpc>
+                <a:spcPct val="90000"/>
+              </a:lnSpc>
+              <a:spcBef>
+                <a:spcPts val="500"/>
+              </a:spcBef>
+              <a:buFont typeface="Arial"/>
+              <a:buChar char="•"/>
+              <a:defRPr sz="1800" kern="1200">
+                <a:solidFill>
+                  <a:schemeClr val="tx1"/>
+                </a:solidFill>
+                <a:latin typeface="+mn-lt"/>
+                <a:ea typeface="+mn-ea"/>
+                <a:cs typeface="+mn-cs"/>
+              </a:defRPr>
+            </a:lvl6pPr>
+            <a:lvl7pPr marL="2971800" indent="-228600" algn="l" defTabSz="914400" rtl="0" eaLnBrk="1" latinLnBrk="0" hangingPunct="1">
+              <a:lnSpc>
+                <a:spcPct val="90000"/>
+              </a:lnSpc>
+              <a:spcBef>
+                <a:spcPts val="500"/>
+              </a:spcBef>
+              <a:buFont typeface="Arial"/>
+              <a:buChar char="•"/>
+              <a:defRPr sz="1800" kern="1200">
+                <a:solidFill>
+                  <a:schemeClr val="tx1"/>
+                </a:solidFill>
+                <a:latin typeface="+mn-lt"/>
+                <a:ea typeface="+mn-ea"/>
+                <a:cs typeface="+mn-cs"/>
+              </a:defRPr>
+            </a:lvl7pPr>
+            <a:lvl8pPr marL="3429000" indent="-228600" algn="l" defTabSz="914400" rtl="0" eaLnBrk="1" latinLnBrk="0" hangingPunct="1">
+              <a:lnSpc>
+                <a:spcPct val="90000"/>
+              </a:lnSpc>
+              <a:spcBef>
+                <a:spcPts val="500"/>
+              </a:spcBef>
+              <a:buFont typeface="Arial"/>
+              <a:buChar char="•"/>
+              <a:defRPr sz="1800" kern="1200">
+                <a:solidFill>
+                  <a:schemeClr val="tx1"/>
+                </a:solidFill>
+                <a:latin typeface="+mn-lt"/>
+                <a:ea typeface="+mn-ea"/>
+                <a:cs typeface="+mn-cs"/>
+              </a:defRPr>
+            </a:lvl8pPr>
+            <a:lvl9pPr marL="3886200" indent="-228600" algn="l" defTabSz="914400" rtl="0" eaLnBrk="1" latinLnBrk="0" hangingPunct="1">
+              <a:lnSpc>
+                <a:spcPct val="90000"/>
+              </a:lnSpc>
+              <a:spcBef>
+                <a:spcPts val="500"/>
+              </a:spcBef>
+              <a:buFont typeface="Arial"/>
+              <a:buChar char="•"/>
+              <a:defRPr sz="1800" kern="1200">
+                <a:solidFill>
+                  <a:schemeClr val="tx1"/>
+                </a:solidFill>
+                <a:latin typeface="+mn-lt"/>
+                <a:ea typeface="+mn-ea"/>
+                <a:cs typeface="+mn-cs"/>
+              </a:defRPr>
+            </a:lvl9pPr>
+          </a:lstStyle>
+          <a:p>
+            <a:pPr marL="514350" indent="-514350">
+              <a:lnSpc>
+                <a:spcPct val="100000"/>
+              </a:lnSpc>
+              <a:spcBef>
+                <a:spcPts val="0"/>
+              </a:spcBef>
+              <a:buAutoNum type="arabicPlain" startAt="2"/>
+            </a:pPr>
+            <a:r>
+              <a:rPr lang="en-US" b="1" dirty="0" smtClean="0"/>
+              <a:t>Camera</a:t>
+            </a:r>
+          </a:p>
+          <a:p>
+            <a:pPr marL="514350" indent="-514350">
+              <a:lnSpc>
+                <a:spcPct val="100000"/>
+              </a:lnSpc>
+              <a:spcBef>
+                <a:spcPts val="0"/>
+              </a:spcBef>
+              <a:buAutoNum type="arabicPlain" startAt="2"/>
+            </a:pPr>
+            <a:endParaRPr lang="en-US" b="1" dirty="0"/>
+          </a:p>
+          <a:p>
+            <a:pPr marL="514350" indent="-514350">
+              <a:lnSpc>
+                <a:spcPct val="100000"/>
+              </a:lnSpc>
+              <a:spcBef>
+                <a:spcPts val="0"/>
+              </a:spcBef>
+              <a:buFontTx/>
+              <a:buAutoNum type="arabicPeriod"/>
+            </a:pPr>
+            <a:endParaRPr lang="en-US" b="1" dirty="0" smtClean="0"/>
+          </a:p>
+          <a:p>
+            <a:pPr marL="0" indent="0">
+              <a:lnSpc>
+                <a:spcPct val="100000"/>
+              </a:lnSpc>
+              <a:spcBef>
+                <a:spcPts val="0"/>
+              </a:spcBef>
+              <a:buFont typeface="Arial"/>
+              <a:buNone/>
+            </a:pPr>
+            <a:endParaRPr lang="en-US" b="1" dirty="0"/>
+          </a:p>
+        </p:txBody>
+      </p:sp>
+      <p:sp>
+        <p:nvSpPr>
+          <p:cNvPr id="7" name="Content Placeholder 4"/>
+          <p:cNvSpPr txBox="1">
+            <a:spLocks/>
+          </p:cNvSpPr>
+          <p:nvPr/>
+        </p:nvSpPr>
+        <p:spPr>
+          <a:xfrm>
+            <a:off x="5978236" y="1603820"/>
+            <a:ext cx="2687782" cy="4821382"/>
+          </a:xfrm>
+          <a:prstGeom prst="rect">
+            <a:avLst/>
+          </a:prstGeom>
+        </p:spPr>
+        <p:txBody>
+          <a:bodyPr vert="horz" lIns="91440" tIns="45720" rIns="91440" bIns="45720" rtlCol="0">
+            <a:normAutofit/>
+          </a:bodyPr>
+          <a:lstStyle>
+            <a:lvl1pPr marL="228600" indent="-228600" algn="l" defTabSz="914400" rtl="0" eaLnBrk="1" latinLnBrk="0" hangingPunct="1">
+              <a:lnSpc>
+                <a:spcPct val="90000"/>
+              </a:lnSpc>
+              <a:spcBef>
+                <a:spcPts val="1000"/>
+              </a:spcBef>
+              <a:buFont typeface="Arial"/>
+              <a:buChar char="•"/>
+              <a:defRPr sz="2800" kern="1200">
+                <a:solidFill>
+                  <a:schemeClr val="tx1"/>
+                </a:solidFill>
+                <a:latin typeface="+mn-lt"/>
+                <a:ea typeface="+mn-ea"/>
+                <a:cs typeface="+mn-cs"/>
+              </a:defRPr>
+            </a:lvl1pPr>
+            <a:lvl2pPr marL="685800" indent="-228600" algn="l" defTabSz="914400" rtl="0" eaLnBrk="1" latinLnBrk="0" hangingPunct="1">
+              <a:lnSpc>
+                <a:spcPct val="90000"/>
+              </a:lnSpc>
+              <a:spcBef>
+                <a:spcPts val="500"/>
+              </a:spcBef>
+              <a:buFont typeface="Arial"/>
+              <a:buChar char="•"/>
+              <a:defRPr sz="2400" kern="1200">
+                <a:solidFill>
+                  <a:schemeClr val="tx1"/>
+                </a:solidFill>
+                <a:latin typeface="+mn-lt"/>
+                <a:ea typeface="+mn-ea"/>
+                <a:cs typeface="+mn-cs"/>
+              </a:defRPr>
+            </a:lvl2pPr>
+            <a:lvl3pPr marL="1143000" indent="-228600" algn="l" defTabSz="914400" rtl="0" eaLnBrk="1" latinLnBrk="0" hangingPunct="1">
+              <a:lnSpc>
+                <a:spcPct val="90000"/>
+              </a:lnSpc>
+              <a:spcBef>
+                <a:spcPts val="500"/>
+              </a:spcBef>
+              <a:buFont typeface="Arial"/>
+              <a:buChar char="•"/>
+              <a:defRPr sz="2000" kern="1200">
+                <a:solidFill>
+                  <a:schemeClr val="tx1"/>
+                </a:solidFill>
+                <a:latin typeface="+mn-lt"/>
+                <a:ea typeface="+mn-ea"/>
+                <a:cs typeface="+mn-cs"/>
+              </a:defRPr>
+            </a:lvl3pPr>
+            <a:lvl4pPr marL="1600200" indent="-228600" algn="l" defTabSz="914400" rtl="0" eaLnBrk="1" latinLnBrk="0" hangingPunct="1">
+              <a:lnSpc>
+                <a:spcPct val="90000"/>
+              </a:lnSpc>
+              <a:spcBef>
+                <a:spcPts val="500"/>
+              </a:spcBef>
+              <a:buFont typeface="Arial"/>
+              <a:buChar char="•"/>
+              <a:defRPr sz="1800" kern="1200">
+                <a:solidFill>
+                  <a:schemeClr val="tx1"/>
+                </a:solidFill>
+                <a:latin typeface="+mn-lt"/>
+                <a:ea typeface="+mn-ea"/>
+                <a:cs typeface="+mn-cs"/>
+              </a:defRPr>
+            </a:lvl4pPr>
+            <a:lvl5pPr marL="2057400" indent="-228600" algn="l" defTabSz="914400" rtl="0" eaLnBrk="1" latinLnBrk="0" hangingPunct="1">
+              <a:lnSpc>
+                <a:spcPct val="90000"/>
+              </a:lnSpc>
+              <a:spcBef>
+                <a:spcPts val="500"/>
+              </a:spcBef>
+              <a:buFont typeface="Arial"/>
+              <a:buChar char="•"/>
+              <a:defRPr sz="1800" kern="1200">
+                <a:solidFill>
+                  <a:schemeClr val="tx1"/>
+                </a:solidFill>
+                <a:latin typeface="+mn-lt"/>
+                <a:ea typeface="+mn-ea"/>
+                <a:cs typeface="+mn-cs"/>
+              </a:defRPr>
+            </a:lvl5pPr>
+            <a:lvl6pPr marL="2514600" indent="-228600" algn="l" defTabSz="914400" rtl="0" eaLnBrk="1" latinLnBrk="0" hangingPunct="1">
+              <a:lnSpc>
+                <a:spcPct val="90000"/>
+              </a:lnSpc>
+              <a:spcBef>
+                <a:spcPts val="500"/>
+              </a:spcBef>
+              <a:buFont typeface="Arial"/>
+              <a:buChar char="•"/>
+              <a:defRPr sz="1800" kern="1200">
+                <a:solidFill>
+                  <a:schemeClr val="tx1"/>
+                </a:solidFill>
+                <a:latin typeface="+mn-lt"/>
+                <a:ea typeface="+mn-ea"/>
+                <a:cs typeface="+mn-cs"/>
+              </a:defRPr>
+            </a:lvl6pPr>
+            <a:lvl7pPr marL="2971800" indent="-228600" algn="l" defTabSz="914400" rtl="0" eaLnBrk="1" latinLnBrk="0" hangingPunct="1">
+              <a:lnSpc>
+                <a:spcPct val="90000"/>
+              </a:lnSpc>
+              <a:spcBef>
+                <a:spcPts val="500"/>
+              </a:spcBef>
+              <a:buFont typeface="Arial"/>
+              <a:buChar char="•"/>
+              <a:defRPr sz="1800" kern="1200">
+                <a:solidFill>
+                  <a:schemeClr val="tx1"/>
+                </a:solidFill>
+                <a:latin typeface="+mn-lt"/>
+                <a:ea typeface="+mn-ea"/>
+                <a:cs typeface="+mn-cs"/>
+              </a:defRPr>
+            </a:lvl7pPr>
+            <a:lvl8pPr marL="3429000" indent="-228600" algn="l" defTabSz="914400" rtl="0" eaLnBrk="1" latinLnBrk="0" hangingPunct="1">
+              <a:lnSpc>
+                <a:spcPct val="90000"/>
+              </a:lnSpc>
+              <a:spcBef>
+                <a:spcPts val="500"/>
+              </a:spcBef>
+              <a:buFont typeface="Arial"/>
+              <a:buChar char="•"/>
+              <a:defRPr sz="1800" kern="1200">
+                <a:solidFill>
+                  <a:schemeClr val="tx1"/>
+                </a:solidFill>
+                <a:latin typeface="+mn-lt"/>
+                <a:ea typeface="+mn-ea"/>
+                <a:cs typeface="+mn-cs"/>
+              </a:defRPr>
+            </a:lvl8pPr>
+            <a:lvl9pPr marL="3886200" indent="-228600" algn="l" defTabSz="914400" rtl="0" eaLnBrk="1" latinLnBrk="0" hangingPunct="1">
+              <a:lnSpc>
+                <a:spcPct val="90000"/>
+              </a:lnSpc>
+              <a:spcBef>
+                <a:spcPts val="500"/>
+              </a:spcBef>
+              <a:buFont typeface="Arial"/>
+              <a:buChar char="•"/>
+              <a:defRPr sz="1800" kern="1200">
+                <a:solidFill>
+                  <a:schemeClr val="tx1"/>
+                </a:solidFill>
+                <a:latin typeface="+mn-lt"/>
+                <a:ea typeface="+mn-ea"/>
+                <a:cs typeface="+mn-cs"/>
+              </a:defRPr>
+            </a:lvl9pPr>
+          </a:lstStyle>
+          <a:p>
+            <a:pPr marL="0" indent="0">
+              <a:lnSpc>
+                <a:spcPct val="100000"/>
+              </a:lnSpc>
+              <a:spcBef>
+                <a:spcPts val="0"/>
+              </a:spcBef>
+              <a:buNone/>
+            </a:pPr>
+            <a:r>
+              <a:rPr lang="en-US" sz="2500" b="1" dirty="0" smtClean="0"/>
+              <a:t>3 Communications</a:t>
+            </a:r>
+          </a:p>
+          <a:p>
+            <a:pPr marL="514350" indent="-514350">
+              <a:lnSpc>
+                <a:spcPct val="100000"/>
+              </a:lnSpc>
+              <a:spcBef>
+                <a:spcPts val="0"/>
+              </a:spcBef>
+              <a:buAutoNum type="arabicPlain" startAt="3"/>
+            </a:pPr>
+            <a:endParaRPr lang="en-US" sz="2700" dirty="0" smtClean="0"/>
+          </a:p>
+          <a:p>
+            <a:pPr marL="514350" indent="-514350">
+              <a:lnSpc>
+                <a:spcPct val="100000"/>
+              </a:lnSpc>
+              <a:spcBef>
+                <a:spcPts val="0"/>
+              </a:spcBef>
+              <a:buFontTx/>
+              <a:buAutoNum type="arabicPeriod"/>
+            </a:pPr>
+            <a:endParaRPr lang="en-US" dirty="0" smtClean="0"/>
+          </a:p>
+          <a:p>
+            <a:pPr marL="0" indent="0">
+              <a:lnSpc>
+                <a:spcPct val="100000"/>
+              </a:lnSpc>
+              <a:spcBef>
+                <a:spcPts val="0"/>
+              </a:spcBef>
+              <a:buNone/>
+            </a:pPr>
+            <a:endParaRPr lang="en-US" b="1" dirty="0" smtClean="0"/>
+          </a:p>
+          <a:p>
+            <a:pPr marL="0" indent="0">
+              <a:lnSpc>
+                <a:spcPct val="100000"/>
+              </a:lnSpc>
+              <a:spcBef>
+                <a:spcPts val="0"/>
+              </a:spcBef>
+              <a:buFont typeface="Arial"/>
+              <a:buNone/>
+            </a:pPr>
+            <a:endParaRPr lang="en-US" b="1" dirty="0"/>
+          </a:p>
+        </p:txBody>
+      </p:sp>
+      <p:sp>
+        <p:nvSpPr>
+          <p:cNvPr id="8" name="Content Placeholder 4"/>
+          <p:cNvSpPr txBox="1">
+            <a:spLocks/>
+          </p:cNvSpPr>
+          <p:nvPr/>
+        </p:nvSpPr>
+        <p:spPr>
+          <a:xfrm>
+            <a:off x="8783782" y="1591944"/>
+            <a:ext cx="2570018" cy="4821382"/>
+          </a:xfrm>
+          <a:prstGeom prst="rect">
+            <a:avLst/>
+          </a:prstGeom>
+        </p:spPr>
+        <p:txBody>
+          <a:bodyPr vert="horz" lIns="91440" tIns="45720" rIns="91440" bIns="45720" rtlCol="0">
+            <a:normAutofit/>
+          </a:bodyPr>
+          <a:lstStyle>
+            <a:lvl1pPr marL="228600" indent="-228600" algn="l" defTabSz="914400" rtl="0" eaLnBrk="1" latinLnBrk="0" hangingPunct="1">
+              <a:lnSpc>
+                <a:spcPct val="90000"/>
+              </a:lnSpc>
+              <a:spcBef>
+                <a:spcPts val="1000"/>
+              </a:spcBef>
+              <a:buFont typeface="Arial"/>
+              <a:buChar char="•"/>
+              <a:defRPr sz="2800" kern="1200">
+                <a:solidFill>
+                  <a:schemeClr val="tx1"/>
+                </a:solidFill>
+                <a:latin typeface="+mn-lt"/>
+                <a:ea typeface="+mn-ea"/>
+                <a:cs typeface="+mn-cs"/>
+              </a:defRPr>
+            </a:lvl1pPr>
+            <a:lvl2pPr marL="685800" indent="-228600" algn="l" defTabSz="914400" rtl="0" eaLnBrk="1" latinLnBrk="0" hangingPunct="1">
+              <a:lnSpc>
+                <a:spcPct val="90000"/>
+              </a:lnSpc>
+              <a:spcBef>
+                <a:spcPts val="500"/>
+              </a:spcBef>
+              <a:buFont typeface="Arial"/>
+              <a:buChar char="•"/>
+              <a:defRPr sz="2400" kern="1200">
+                <a:solidFill>
+                  <a:schemeClr val="tx1"/>
+                </a:solidFill>
+                <a:latin typeface="+mn-lt"/>
+                <a:ea typeface="+mn-ea"/>
+                <a:cs typeface="+mn-cs"/>
+              </a:defRPr>
+            </a:lvl2pPr>
+            <a:lvl3pPr marL="1143000" indent="-228600" algn="l" defTabSz="914400" rtl="0" eaLnBrk="1" latinLnBrk="0" hangingPunct="1">
+              <a:lnSpc>
+                <a:spcPct val="90000"/>
+              </a:lnSpc>
+              <a:spcBef>
+                <a:spcPts val="500"/>
+              </a:spcBef>
+              <a:buFont typeface="Arial"/>
+              <a:buChar char="•"/>
+              <a:defRPr sz="2000" kern="1200">
+                <a:solidFill>
+                  <a:schemeClr val="tx1"/>
+                </a:solidFill>
+                <a:latin typeface="+mn-lt"/>
+                <a:ea typeface="+mn-ea"/>
+                <a:cs typeface="+mn-cs"/>
+              </a:defRPr>
+            </a:lvl3pPr>
+            <a:lvl4pPr marL="1600200" indent="-228600" algn="l" defTabSz="914400" rtl="0" eaLnBrk="1" latinLnBrk="0" hangingPunct="1">
+              <a:lnSpc>
+                <a:spcPct val="90000"/>
+              </a:lnSpc>
+              <a:spcBef>
+                <a:spcPts val="500"/>
+              </a:spcBef>
+              <a:buFont typeface="Arial"/>
+              <a:buChar char="•"/>
+              <a:defRPr sz="1800" kern="1200">
+                <a:solidFill>
+                  <a:schemeClr val="tx1"/>
+                </a:solidFill>
+                <a:latin typeface="+mn-lt"/>
+                <a:ea typeface="+mn-ea"/>
+                <a:cs typeface="+mn-cs"/>
+              </a:defRPr>
+            </a:lvl4pPr>
+            <a:lvl5pPr marL="2057400" indent="-228600" algn="l" defTabSz="914400" rtl="0" eaLnBrk="1" latinLnBrk="0" hangingPunct="1">
+              <a:lnSpc>
+                <a:spcPct val="90000"/>
+              </a:lnSpc>
+              <a:spcBef>
+                <a:spcPts val="500"/>
+              </a:spcBef>
+              <a:buFont typeface="Arial"/>
+              <a:buChar char="•"/>
+              <a:defRPr sz="1800" kern="1200">
+                <a:solidFill>
+                  <a:schemeClr val="tx1"/>
+                </a:solidFill>
+                <a:latin typeface="+mn-lt"/>
+                <a:ea typeface="+mn-ea"/>
+                <a:cs typeface="+mn-cs"/>
+              </a:defRPr>
+            </a:lvl5pPr>
+            <a:lvl6pPr marL="2514600" indent="-228600" algn="l" defTabSz="914400" rtl="0" eaLnBrk="1" latinLnBrk="0" hangingPunct="1">
+              <a:lnSpc>
+                <a:spcPct val="90000"/>
+              </a:lnSpc>
+              <a:spcBef>
+                <a:spcPts val="500"/>
+              </a:spcBef>
+              <a:buFont typeface="Arial"/>
+              <a:buChar char="•"/>
+              <a:defRPr sz="1800" kern="1200">
+                <a:solidFill>
+                  <a:schemeClr val="tx1"/>
+                </a:solidFill>
+                <a:latin typeface="+mn-lt"/>
+                <a:ea typeface="+mn-ea"/>
+                <a:cs typeface="+mn-cs"/>
+              </a:defRPr>
+            </a:lvl6pPr>
+            <a:lvl7pPr marL="2971800" indent="-228600" algn="l" defTabSz="914400" rtl="0" eaLnBrk="1" latinLnBrk="0" hangingPunct="1">
+              <a:lnSpc>
+                <a:spcPct val="90000"/>
+              </a:lnSpc>
+              <a:spcBef>
+                <a:spcPts val="500"/>
+              </a:spcBef>
+              <a:buFont typeface="Arial"/>
+              <a:buChar char="•"/>
+              <a:defRPr sz="1800" kern="1200">
+                <a:solidFill>
+                  <a:schemeClr val="tx1"/>
+                </a:solidFill>
+                <a:latin typeface="+mn-lt"/>
+                <a:ea typeface="+mn-ea"/>
+                <a:cs typeface="+mn-cs"/>
+              </a:defRPr>
+            </a:lvl7pPr>
+            <a:lvl8pPr marL="3429000" indent="-228600" algn="l" defTabSz="914400" rtl="0" eaLnBrk="1" latinLnBrk="0" hangingPunct="1">
+              <a:lnSpc>
+                <a:spcPct val="90000"/>
+              </a:lnSpc>
+              <a:spcBef>
+                <a:spcPts val="500"/>
+              </a:spcBef>
+              <a:buFont typeface="Arial"/>
+              <a:buChar char="•"/>
+              <a:defRPr sz="1800" kern="1200">
+                <a:solidFill>
+                  <a:schemeClr val="tx1"/>
+                </a:solidFill>
+                <a:latin typeface="+mn-lt"/>
+                <a:ea typeface="+mn-ea"/>
+                <a:cs typeface="+mn-cs"/>
+              </a:defRPr>
+            </a:lvl8pPr>
+            <a:lvl9pPr marL="3886200" indent="-228600" algn="l" defTabSz="914400" rtl="0" eaLnBrk="1" latinLnBrk="0" hangingPunct="1">
+              <a:lnSpc>
+                <a:spcPct val="90000"/>
+              </a:lnSpc>
+              <a:spcBef>
+                <a:spcPts val="500"/>
+              </a:spcBef>
+              <a:buFont typeface="Arial"/>
+              <a:buChar char="•"/>
+              <a:defRPr sz="1800" kern="1200">
+                <a:solidFill>
+                  <a:schemeClr val="tx1"/>
+                </a:solidFill>
+                <a:latin typeface="+mn-lt"/>
+                <a:ea typeface="+mn-ea"/>
+                <a:cs typeface="+mn-cs"/>
+              </a:defRPr>
+            </a:lvl9pPr>
+          </a:lstStyle>
+          <a:p>
+            <a:pPr marL="0" indent="0">
+              <a:lnSpc>
+                <a:spcPct val="100000"/>
+              </a:lnSpc>
+              <a:spcBef>
+                <a:spcPts val="0"/>
+              </a:spcBef>
+              <a:buFont typeface="Arial"/>
+              <a:buNone/>
+            </a:pPr>
+            <a:r>
+              <a:rPr lang="en-US" b="1" dirty="0" smtClean="0"/>
+              <a:t>4 Power</a:t>
+            </a:r>
+          </a:p>
+          <a:p>
+            <a:pPr marL="0" indent="0">
+              <a:lnSpc>
+                <a:spcPct val="100000"/>
+              </a:lnSpc>
+              <a:spcBef>
+                <a:spcPts val="0"/>
+              </a:spcBef>
+              <a:buFont typeface="Arial"/>
+              <a:buNone/>
+            </a:pPr>
+            <a:endParaRPr lang="en-US" b="1" dirty="0"/>
+          </a:p>
+        </p:txBody>
+      </p:sp>
+    </p:spTree>
+    <p:extLst>
+      <p:ext uri="{BB962C8B-B14F-4D97-AF65-F5344CB8AC3E}">
+        <p14:creationId xmlns:p14="http://schemas.microsoft.com/office/powerpoint/2010/main" val="1020358016"/>
+      </p:ext>
+    </p:extLst>
+  </p:cSld>
+  <p:clrMapOvr>
+    <a:masterClrMapping/>
+  </p:clrMapOvr>
+</p:sld>
+</file>
+
 <file path=ppt/slides/slide17.xml><?xml version="1.0" encoding="utf-8"?>
 <p:sld xmlns:a="http://schemas.openxmlformats.org/drawingml/2006/main" xmlns:r="http://schemas.openxmlformats.org/officeDocument/2006/relationships" xmlns:p="http://schemas.openxmlformats.org/presentationml/2006/main">
   <p:cSld>
@@ -4437,831 +5187,6 @@
             </a:pPr>
             <a:endParaRPr lang="en-US" b="1" dirty="0"/>
           </a:p>
-        </p:txBody>
-      </p:sp>
-      <p:sp>
-        <p:nvSpPr>
-          <p:cNvPr id="6" name="Content Placeholder 4"/>
-          <p:cNvSpPr txBox="1">
-            <a:spLocks/>
-          </p:cNvSpPr>
-          <p:nvPr/>
-        </p:nvSpPr>
-        <p:spPr>
-          <a:xfrm>
-            <a:off x="3408218" y="1603169"/>
-            <a:ext cx="2570018" cy="4821382"/>
-          </a:xfrm>
-          <a:prstGeom prst="rect">
-            <a:avLst/>
-          </a:prstGeom>
-        </p:spPr>
-        <p:txBody>
-          <a:bodyPr vert="horz" lIns="91440" tIns="45720" rIns="91440" bIns="45720" rtlCol="0">
-            <a:normAutofit/>
-          </a:bodyPr>
-          <a:lstStyle>
-            <a:lvl1pPr marL="228600" indent="-228600" algn="l" defTabSz="914400" rtl="0" eaLnBrk="1" latinLnBrk="0" hangingPunct="1">
-              <a:lnSpc>
-                <a:spcPct val="90000"/>
-              </a:lnSpc>
-              <a:spcBef>
-                <a:spcPts val="1000"/>
-              </a:spcBef>
-              <a:buFont typeface="Arial"/>
-              <a:buChar char="•"/>
-              <a:defRPr sz="2800" kern="1200">
-                <a:solidFill>
-                  <a:schemeClr val="tx1"/>
-                </a:solidFill>
-                <a:latin typeface="+mn-lt"/>
-                <a:ea typeface="+mn-ea"/>
-                <a:cs typeface="+mn-cs"/>
-              </a:defRPr>
-            </a:lvl1pPr>
-            <a:lvl2pPr marL="685800" indent="-228600" algn="l" defTabSz="914400" rtl="0" eaLnBrk="1" latinLnBrk="0" hangingPunct="1">
-              <a:lnSpc>
-                <a:spcPct val="90000"/>
-              </a:lnSpc>
-              <a:spcBef>
-                <a:spcPts val="500"/>
-              </a:spcBef>
-              <a:buFont typeface="Arial"/>
-              <a:buChar char="•"/>
-              <a:defRPr sz="2400" kern="1200">
-                <a:solidFill>
-                  <a:schemeClr val="tx1"/>
-                </a:solidFill>
-                <a:latin typeface="+mn-lt"/>
-                <a:ea typeface="+mn-ea"/>
-                <a:cs typeface="+mn-cs"/>
-              </a:defRPr>
-            </a:lvl2pPr>
-            <a:lvl3pPr marL="1143000" indent="-228600" algn="l" defTabSz="914400" rtl="0" eaLnBrk="1" latinLnBrk="0" hangingPunct="1">
-              <a:lnSpc>
-                <a:spcPct val="90000"/>
-              </a:lnSpc>
-              <a:spcBef>
-                <a:spcPts val="500"/>
-              </a:spcBef>
-              <a:buFont typeface="Arial"/>
-              <a:buChar char="•"/>
-              <a:defRPr sz="2000" kern="1200">
-                <a:solidFill>
-                  <a:schemeClr val="tx1"/>
-                </a:solidFill>
-                <a:latin typeface="+mn-lt"/>
-                <a:ea typeface="+mn-ea"/>
-                <a:cs typeface="+mn-cs"/>
-              </a:defRPr>
-            </a:lvl3pPr>
-            <a:lvl4pPr marL="1600200" indent="-228600" algn="l" defTabSz="914400" rtl="0" eaLnBrk="1" latinLnBrk="0" hangingPunct="1">
-              <a:lnSpc>
-                <a:spcPct val="90000"/>
-              </a:lnSpc>
-              <a:spcBef>
-                <a:spcPts val="500"/>
-              </a:spcBef>
-              <a:buFont typeface="Arial"/>
-              <a:buChar char="•"/>
-              <a:defRPr sz="1800" kern="1200">
-                <a:solidFill>
-                  <a:schemeClr val="tx1"/>
-                </a:solidFill>
-                <a:latin typeface="+mn-lt"/>
-                <a:ea typeface="+mn-ea"/>
-                <a:cs typeface="+mn-cs"/>
-              </a:defRPr>
-            </a:lvl4pPr>
-            <a:lvl5pPr marL="2057400" indent="-228600" algn="l" defTabSz="914400" rtl="0" eaLnBrk="1" latinLnBrk="0" hangingPunct="1">
-              <a:lnSpc>
-                <a:spcPct val="90000"/>
-              </a:lnSpc>
-              <a:spcBef>
-                <a:spcPts val="500"/>
-              </a:spcBef>
-              <a:buFont typeface="Arial"/>
-              <a:buChar char="•"/>
-              <a:defRPr sz="1800" kern="1200">
-                <a:solidFill>
-                  <a:schemeClr val="tx1"/>
-                </a:solidFill>
-                <a:latin typeface="+mn-lt"/>
-                <a:ea typeface="+mn-ea"/>
-                <a:cs typeface="+mn-cs"/>
-              </a:defRPr>
-            </a:lvl5pPr>
-            <a:lvl6pPr marL="2514600" indent="-228600" algn="l" defTabSz="914400" rtl="0" eaLnBrk="1" latinLnBrk="0" hangingPunct="1">
-              <a:lnSpc>
-                <a:spcPct val="90000"/>
-              </a:lnSpc>
-              <a:spcBef>
-                <a:spcPts val="500"/>
-              </a:spcBef>
-              <a:buFont typeface="Arial"/>
-              <a:buChar char="•"/>
-              <a:defRPr sz="1800" kern="1200">
-                <a:solidFill>
-                  <a:schemeClr val="tx1"/>
-                </a:solidFill>
-                <a:latin typeface="+mn-lt"/>
-                <a:ea typeface="+mn-ea"/>
-                <a:cs typeface="+mn-cs"/>
-              </a:defRPr>
-            </a:lvl6pPr>
-            <a:lvl7pPr marL="2971800" indent="-228600" algn="l" defTabSz="914400" rtl="0" eaLnBrk="1" latinLnBrk="0" hangingPunct="1">
-              <a:lnSpc>
-                <a:spcPct val="90000"/>
-              </a:lnSpc>
-              <a:spcBef>
-                <a:spcPts val="500"/>
-              </a:spcBef>
-              <a:buFont typeface="Arial"/>
-              <a:buChar char="•"/>
-              <a:defRPr sz="1800" kern="1200">
-                <a:solidFill>
-                  <a:schemeClr val="tx1"/>
-                </a:solidFill>
-                <a:latin typeface="+mn-lt"/>
-                <a:ea typeface="+mn-ea"/>
-                <a:cs typeface="+mn-cs"/>
-              </a:defRPr>
-            </a:lvl7pPr>
-            <a:lvl8pPr marL="3429000" indent="-228600" algn="l" defTabSz="914400" rtl="0" eaLnBrk="1" latinLnBrk="0" hangingPunct="1">
-              <a:lnSpc>
-                <a:spcPct val="90000"/>
-              </a:lnSpc>
-              <a:spcBef>
-                <a:spcPts val="500"/>
-              </a:spcBef>
-              <a:buFont typeface="Arial"/>
-              <a:buChar char="•"/>
-              <a:defRPr sz="1800" kern="1200">
-                <a:solidFill>
-                  <a:schemeClr val="tx1"/>
-                </a:solidFill>
-                <a:latin typeface="+mn-lt"/>
-                <a:ea typeface="+mn-ea"/>
-                <a:cs typeface="+mn-cs"/>
-              </a:defRPr>
-            </a:lvl8pPr>
-            <a:lvl9pPr marL="3886200" indent="-228600" algn="l" defTabSz="914400" rtl="0" eaLnBrk="1" latinLnBrk="0" hangingPunct="1">
-              <a:lnSpc>
-                <a:spcPct val="90000"/>
-              </a:lnSpc>
-              <a:spcBef>
-                <a:spcPts val="500"/>
-              </a:spcBef>
-              <a:buFont typeface="Arial"/>
-              <a:buChar char="•"/>
-              <a:defRPr sz="1800" kern="1200">
-                <a:solidFill>
-                  <a:schemeClr val="tx1"/>
-                </a:solidFill>
-                <a:latin typeface="+mn-lt"/>
-                <a:ea typeface="+mn-ea"/>
-                <a:cs typeface="+mn-cs"/>
-              </a:defRPr>
-            </a:lvl9pPr>
-          </a:lstStyle>
-          <a:p>
-            <a:pPr marL="514350" indent="-514350">
-              <a:lnSpc>
-                <a:spcPct val="100000"/>
-              </a:lnSpc>
-              <a:spcBef>
-                <a:spcPts val="0"/>
-              </a:spcBef>
-              <a:buAutoNum type="arabicPlain" startAt="2"/>
-            </a:pPr>
-            <a:r>
-              <a:rPr lang="en-US" b="1" dirty="0" smtClean="0"/>
-              <a:t>Camera</a:t>
-            </a:r>
-          </a:p>
-          <a:p>
-            <a:pPr marL="514350" indent="-514350">
-              <a:lnSpc>
-                <a:spcPct val="100000"/>
-              </a:lnSpc>
-              <a:spcBef>
-                <a:spcPts val="0"/>
-              </a:spcBef>
-              <a:buAutoNum type="arabicPlain" startAt="2"/>
-            </a:pPr>
-            <a:endParaRPr lang="en-US" b="1" dirty="0"/>
-          </a:p>
-          <a:p>
-            <a:pPr marL="514350" indent="-514350">
-              <a:lnSpc>
-                <a:spcPct val="100000"/>
-              </a:lnSpc>
-              <a:spcBef>
-                <a:spcPts val="0"/>
-              </a:spcBef>
-              <a:buFontTx/>
-              <a:buAutoNum type="arabicPeriod"/>
-            </a:pPr>
-            <a:endParaRPr lang="en-US" b="1" dirty="0" smtClean="0"/>
-          </a:p>
-          <a:p>
-            <a:pPr marL="0" indent="0">
-              <a:lnSpc>
-                <a:spcPct val="100000"/>
-              </a:lnSpc>
-              <a:spcBef>
-                <a:spcPts val="0"/>
-              </a:spcBef>
-              <a:buFont typeface="Arial"/>
-              <a:buNone/>
-            </a:pPr>
-            <a:endParaRPr lang="en-US" b="1" dirty="0"/>
-          </a:p>
-        </p:txBody>
-      </p:sp>
-      <p:sp>
-        <p:nvSpPr>
-          <p:cNvPr id="7" name="Content Placeholder 4"/>
-          <p:cNvSpPr txBox="1">
-            <a:spLocks/>
-          </p:cNvSpPr>
-          <p:nvPr/>
-        </p:nvSpPr>
-        <p:spPr>
-          <a:xfrm>
-            <a:off x="5978236" y="1603820"/>
-            <a:ext cx="2687782" cy="4821382"/>
-          </a:xfrm>
-          <a:prstGeom prst="rect">
-            <a:avLst/>
-          </a:prstGeom>
-        </p:spPr>
-        <p:txBody>
-          <a:bodyPr vert="horz" lIns="91440" tIns="45720" rIns="91440" bIns="45720" rtlCol="0">
-            <a:normAutofit/>
-          </a:bodyPr>
-          <a:lstStyle>
-            <a:lvl1pPr marL="228600" indent="-228600" algn="l" defTabSz="914400" rtl="0" eaLnBrk="1" latinLnBrk="0" hangingPunct="1">
-              <a:lnSpc>
-                <a:spcPct val="90000"/>
-              </a:lnSpc>
-              <a:spcBef>
-                <a:spcPts val="1000"/>
-              </a:spcBef>
-              <a:buFont typeface="Arial"/>
-              <a:buChar char="•"/>
-              <a:defRPr sz="2800" kern="1200">
-                <a:solidFill>
-                  <a:schemeClr val="tx1"/>
-                </a:solidFill>
-                <a:latin typeface="+mn-lt"/>
-                <a:ea typeface="+mn-ea"/>
-                <a:cs typeface="+mn-cs"/>
-              </a:defRPr>
-            </a:lvl1pPr>
-            <a:lvl2pPr marL="685800" indent="-228600" algn="l" defTabSz="914400" rtl="0" eaLnBrk="1" latinLnBrk="0" hangingPunct="1">
-              <a:lnSpc>
-                <a:spcPct val="90000"/>
-              </a:lnSpc>
-              <a:spcBef>
-                <a:spcPts val="500"/>
-              </a:spcBef>
-              <a:buFont typeface="Arial"/>
-              <a:buChar char="•"/>
-              <a:defRPr sz="2400" kern="1200">
-                <a:solidFill>
-                  <a:schemeClr val="tx1"/>
-                </a:solidFill>
-                <a:latin typeface="+mn-lt"/>
-                <a:ea typeface="+mn-ea"/>
-                <a:cs typeface="+mn-cs"/>
-              </a:defRPr>
-            </a:lvl2pPr>
-            <a:lvl3pPr marL="1143000" indent="-228600" algn="l" defTabSz="914400" rtl="0" eaLnBrk="1" latinLnBrk="0" hangingPunct="1">
-              <a:lnSpc>
-                <a:spcPct val="90000"/>
-              </a:lnSpc>
-              <a:spcBef>
-                <a:spcPts val="500"/>
-              </a:spcBef>
-              <a:buFont typeface="Arial"/>
-              <a:buChar char="•"/>
-              <a:defRPr sz="2000" kern="1200">
-                <a:solidFill>
-                  <a:schemeClr val="tx1"/>
-                </a:solidFill>
-                <a:latin typeface="+mn-lt"/>
-                <a:ea typeface="+mn-ea"/>
-                <a:cs typeface="+mn-cs"/>
-              </a:defRPr>
-            </a:lvl3pPr>
-            <a:lvl4pPr marL="1600200" indent="-228600" algn="l" defTabSz="914400" rtl="0" eaLnBrk="1" latinLnBrk="0" hangingPunct="1">
-              <a:lnSpc>
-                <a:spcPct val="90000"/>
-              </a:lnSpc>
-              <a:spcBef>
-                <a:spcPts val="500"/>
-              </a:spcBef>
-              <a:buFont typeface="Arial"/>
-              <a:buChar char="•"/>
-              <a:defRPr sz="1800" kern="1200">
-                <a:solidFill>
-                  <a:schemeClr val="tx1"/>
-                </a:solidFill>
-                <a:latin typeface="+mn-lt"/>
-                <a:ea typeface="+mn-ea"/>
-                <a:cs typeface="+mn-cs"/>
-              </a:defRPr>
-            </a:lvl4pPr>
-            <a:lvl5pPr marL="2057400" indent="-228600" algn="l" defTabSz="914400" rtl="0" eaLnBrk="1" latinLnBrk="0" hangingPunct="1">
-              <a:lnSpc>
-                <a:spcPct val="90000"/>
-              </a:lnSpc>
-              <a:spcBef>
-                <a:spcPts val="500"/>
-              </a:spcBef>
-              <a:buFont typeface="Arial"/>
-              <a:buChar char="•"/>
-              <a:defRPr sz="1800" kern="1200">
-                <a:solidFill>
-                  <a:schemeClr val="tx1"/>
-                </a:solidFill>
-                <a:latin typeface="+mn-lt"/>
-                <a:ea typeface="+mn-ea"/>
-                <a:cs typeface="+mn-cs"/>
-              </a:defRPr>
-            </a:lvl5pPr>
-            <a:lvl6pPr marL="2514600" indent="-228600" algn="l" defTabSz="914400" rtl="0" eaLnBrk="1" latinLnBrk="0" hangingPunct="1">
-              <a:lnSpc>
-                <a:spcPct val="90000"/>
-              </a:lnSpc>
-              <a:spcBef>
-                <a:spcPts val="500"/>
-              </a:spcBef>
-              <a:buFont typeface="Arial"/>
-              <a:buChar char="•"/>
-              <a:defRPr sz="1800" kern="1200">
-                <a:solidFill>
-                  <a:schemeClr val="tx1"/>
-                </a:solidFill>
-                <a:latin typeface="+mn-lt"/>
-                <a:ea typeface="+mn-ea"/>
-                <a:cs typeface="+mn-cs"/>
-              </a:defRPr>
-            </a:lvl6pPr>
-            <a:lvl7pPr marL="2971800" indent="-228600" algn="l" defTabSz="914400" rtl="0" eaLnBrk="1" latinLnBrk="0" hangingPunct="1">
-              <a:lnSpc>
-                <a:spcPct val="90000"/>
-              </a:lnSpc>
-              <a:spcBef>
-                <a:spcPts val="500"/>
-              </a:spcBef>
-              <a:buFont typeface="Arial"/>
-              <a:buChar char="•"/>
-              <a:defRPr sz="1800" kern="1200">
-                <a:solidFill>
-                  <a:schemeClr val="tx1"/>
-                </a:solidFill>
-                <a:latin typeface="+mn-lt"/>
-                <a:ea typeface="+mn-ea"/>
-                <a:cs typeface="+mn-cs"/>
-              </a:defRPr>
-            </a:lvl7pPr>
-            <a:lvl8pPr marL="3429000" indent="-228600" algn="l" defTabSz="914400" rtl="0" eaLnBrk="1" latinLnBrk="0" hangingPunct="1">
-              <a:lnSpc>
-                <a:spcPct val="90000"/>
-              </a:lnSpc>
-              <a:spcBef>
-                <a:spcPts val="500"/>
-              </a:spcBef>
-              <a:buFont typeface="Arial"/>
-              <a:buChar char="•"/>
-              <a:defRPr sz="1800" kern="1200">
-                <a:solidFill>
-                  <a:schemeClr val="tx1"/>
-                </a:solidFill>
-                <a:latin typeface="+mn-lt"/>
-                <a:ea typeface="+mn-ea"/>
-                <a:cs typeface="+mn-cs"/>
-              </a:defRPr>
-            </a:lvl8pPr>
-            <a:lvl9pPr marL="3886200" indent="-228600" algn="l" defTabSz="914400" rtl="0" eaLnBrk="1" latinLnBrk="0" hangingPunct="1">
-              <a:lnSpc>
-                <a:spcPct val="90000"/>
-              </a:lnSpc>
-              <a:spcBef>
-                <a:spcPts val="500"/>
-              </a:spcBef>
-              <a:buFont typeface="Arial"/>
-              <a:buChar char="•"/>
-              <a:defRPr sz="1800" kern="1200">
-                <a:solidFill>
-                  <a:schemeClr val="tx1"/>
-                </a:solidFill>
-                <a:latin typeface="+mn-lt"/>
-                <a:ea typeface="+mn-ea"/>
-                <a:cs typeface="+mn-cs"/>
-              </a:defRPr>
-            </a:lvl9pPr>
-          </a:lstStyle>
-          <a:p>
-            <a:pPr marL="0" indent="0">
-              <a:lnSpc>
-                <a:spcPct val="100000"/>
-              </a:lnSpc>
-              <a:spcBef>
-                <a:spcPts val="0"/>
-              </a:spcBef>
-              <a:buNone/>
-            </a:pPr>
-            <a:r>
-              <a:rPr lang="en-US" sz="2500" b="1" dirty="0" smtClean="0"/>
-              <a:t>3 Communications</a:t>
-            </a:r>
-          </a:p>
-          <a:p>
-            <a:pPr marL="514350" indent="-514350">
-              <a:lnSpc>
-                <a:spcPct val="100000"/>
-              </a:lnSpc>
-              <a:spcBef>
-                <a:spcPts val="0"/>
-              </a:spcBef>
-              <a:buAutoNum type="arabicPlain" startAt="3"/>
-            </a:pPr>
-            <a:endParaRPr lang="en-US" sz="2700" dirty="0" smtClean="0"/>
-          </a:p>
-          <a:p>
-            <a:pPr marL="514350" indent="-514350">
-              <a:lnSpc>
-                <a:spcPct val="100000"/>
-              </a:lnSpc>
-              <a:spcBef>
-                <a:spcPts val="0"/>
-              </a:spcBef>
-              <a:buFontTx/>
-              <a:buAutoNum type="arabicPeriod"/>
-            </a:pPr>
-            <a:endParaRPr lang="en-US" dirty="0" smtClean="0"/>
-          </a:p>
-          <a:p>
-            <a:pPr marL="0" indent="0">
-              <a:lnSpc>
-                <a:spcPct val="100000"/>
-              </a:lnSpc>
-              <a:spcBef>
-                <a:spcPts val="0"/>
-              </a:spcBef>
-              <a:buNone/>
-            </a:pPr>
-            <a:endParaRPr lang="en-US" b="1" dirty="0" smtClean="0"/>
-          </a:p>
-          <a:p>
-            <a:pPr marL="0" indent="0">
-              <a:lnSpc>
-                <a:spcPct val="100000"/>
-              </a:lnSpc>
-              <a:spcBef>
-                <a:spcPts val="0"/>
-              </a:spcBef>
-              <a:buFont typeface="Arial"/>
-              <a:buNone/>
-            </a:pPr>
-            <a:endParaRPr lang="en-US" b="1" dirty="0"/>
-          </a:p>
-        </p:txBody>
-      </p:sp>
-      <p:sp>
-        <p:nvSpPr>
-          <p:cNvPr id="8" name="Content Placeholder 4"/>
-          <p:cNvSpPr txBox="1">
-            <a:spLocks/>
-          </p:cNvSpPr>
-          <p:nvPr/>
-        </p:nvSpPr>
-        <p:spPr>
-          <a:xfrm>
-            <a:off x="8783782" y="1591944"/>
-            <a:ext cx="2570018" cy="4821382"/>
-          </a:xfrm>
-          <a:prstGeom prst="rect">
-            <a:avLst/>
-          </a:prstGeom>
-        </p:spPr>
-        <p:txBody>
-          <a:bodyPr vert="horz" lIns="91440" tIns="45720" rIns="91440" bIns="45720" rtlCol="0">
-            <a:normAutofit/>
-          </a:bodyPr>
-          <a:lstStyle>
-            <a:lvl1pPr marL="228600" indent="-228600" algn="l" defTabSz="914400" rtl="0" eaLnBrk="1" latinLnBrk="0" hangingPunct="1">
-              <a:lnSpc>
-                <a:spcPct val="90000"/>
-              </a:lnSpc>
-              <a:spcBef>
-                <a:spcPts val="1000"/>
-              </a:spcBef>
-              <a:buFont typeface="Arial"/>
-              <a:buChar char="•"/>
-              <a:defRPr sz="2800" kern="1200">
-                <a:solidFill>
-                  <a:schemeClr val="tx1"/>
-                </a:solidFill>
-                <a:latin typeface="+mn-lt"/>
-                <a:ea typeface="+mn-ea"/>
-                <a:cs typeface="+mn-cs"/>
-              </a:defRPr>
-            </a:lvl1pPr>
-            <a:lvl2pPr marL="685800" indent="-228600" algn="l" defTabSz="914400" rtl="0" eaLnBrk="1" latinLnBrk="0" hangingPunct="1">
-              <a:lnSpc>
-                <a:spcPct val="90000"/>
-              </a:lnSpc>
-              <a:spcBef>
-                <a:spcPts val="500"/>
-              </a:spcBef>
-              <a:buFont typeface="Arial"/>
-              <a:buChar char="•"/>
-              <a:defRPr sz="2400" kern="1200">
-                <a:solidFill>
-                  <a:schemeClr val="tx1"/>
-                </a:solidFill>
-                <a:latin typeface="+mn-lt"/>
-                <a:ea typeface="+mn-ea"/>
-                <a:cs typeface="+mn-cs"/>
-              </a:defRPr>
-            </a:lvl2pPr>
-            <a:lvl3pPr marL="1143000" indent="-228600" algn="l" defTabSz="914400" rtl="0" eaLnBrk="1" latinLnBrk="0" hangingPunct="1">
-              <a:lnSpc>
-                <a:spcPct val="90000"/>
-              </a:lnSpc>
-              <a:spcBef>
-                <a:spcPts val="500"/>
-              </a:spcBef>
-              <a:buFont typeface="Arial"/>
-              <a:buChar char="•"/>
-              <a:defRPr sz="2000" kern="1200">
-                <a:solidFill>
-                  <a:schemeClr val="tx1"/>
-                </a:solidFill>
-                <a:latin typeface="+mn-lt"/>
-                <a:ea typeface="+mn-ea"/>
-                <a:cs typeface="+mn-cs"/>
-              </a:defRPr>
-            </a:lvl3pPr>
-            <a:lvl4pPr marL="1600200" indent="-228600" algn="l" defTabSz="914400" rtl="0" eaLnBrk="1" latinLnBrk="0" hangingPunct="1">
-              <a:lnSpc>
-                <a:spcPct val="90000"/>
-              </a:lnSpc>
-              <a:spcBef>
-                <a:spcPts val="500"/>
-              </a:spcBef>
-              <a:buFont typeface="Arial"/>
-              <a:buChar char="•"/>
-              <a:defRPr sz="1800" kern="1200">
-                <a:solidFill>
-                  <a:schemeClr val="tx1"/>
-                </a:solidFill>
-                <a:latin typeface="+mn-lt"/>
-                <a:ea typeface="+mn-ea"/>
-                <a:cs typeface="+mn-cs"/>
-              </a:defRPr>
-            </a:lvl4pPr>
-            <a:lvl5pPr marL="2057400" indent="-228600" algn="l" defTabSz="914400" rtl="0" eaLnBrk="1" latinLnBrk="0" hangingPunct="1">
-              <a:lnSpc>
-                <a:spcPct val="90000"/>
-              </a:lnSpc>
-              <a:spcBef>
-                <a:spcPts val="500"/>
-              </a:spcBef>
-              <a:buFont typeface="Arial"/>
-              <a:buChar char="•"/>
-              <a:defRPr sz="1800" kern="1200">
-                <a:solidFill>
-                  <a:schemeClr val="tx1"/>
-                </a:solidFill>
-                <a:latin typeface="+mn-lt"/>
-                <a:ea typeface="+mn-ea"/>
-                <a:cs typeface="+mn-cs"/>
-              </a:defRPr>
-            </a:lvl5pPr>
-            <a:lvl6pPr marL="2514600" indent="-228600" algn="l" defTabSz="914400" rtl="0" eaLnBrk="1" latinLnBrk="0" hangingPunct="1">
-              <a:lnSpc>
-                <a:spcPct val="90000"/>
-              </a:lnSpc>
-              <a:spcBef>
-                <a:spcPts val="500"/>
-              </a:spcBef>
-              <a:buFont typeface="Arial"/>
-              <a:buChar char="•"/>
-              <a:defRPr sz="1800" kern="1200">
-                <a:solidFill>
-                  <a:schemeClr val="tx1"/>
-                </a:solidFill>
-                <a:latin typeface="+mn-lt"/>
-                <a:ea typeface="+mn-ea"/>
-                <a:cs typeface="+mn-cs"/>
-              </a:defRPr>
-            </a:lvl6pPr>
-            <a:lvl7pPr marL="2971800" indent="-228600" algn="l" defTabSz="914400" rtl="0" eaLnBrk="1" latinLnBrk="0" hangingPunct="1">
-              <a:lnSpc>
-                <a:spcPct val="90000"/>
-              </a:lnSpc>
-              <a:spcBef>
-                <a:spcPts val="500"/>
-              </a:spcBef>
-              <a:buFont typeface="Arial"/>
-              <a:buChar char="•"/>
-              <a:defRPr sz="1800" kern="1200">
-                <a:solidFill>
-                  <a:schemeClr val="tx1"/>
-                </a:solidFill>
-                <a:latin typeface="+mn-lt"/>
-                <a:ea typeface="+mn-ea"/>
-                <a:cs typeface="+mn-cs"/>
-              </a:defRPr>
-            </a:lvl7pPr>
-            <a:lvl8pPr marL="3429000" indent="-228600" algn="l" defTabSz="914400" rtl="0" eaLnBrk="1" latinLnBrk="0" hangingPunct="1">
-              <a:lnSpc>
-                <a:spcPct val="90000"/>
-              </a:lnSpc>
-              <a:spcBef>
-                <a:spcPts val="500"/>
-              </a:spcBef>
-              <a:buFont typeface="Arial"/>
-              <a:buChar char="•"/>
-              <a:defRPr sz="1800" kern="1200">
-                <a:solidFill>
-                  <a:schemeClr val="tx1"/>
-                </a:solidFill>
-                <a:latin typeface="+mn-lt"/>
-                <a:ea typeface="+mn-ea"/>
-                <a:cs typeface="+mn-cs"/>
-              </a:defRPr>
-            </a:lvl8pPr>
-            <a:lvl9pPr marL="3886200" indent="-228600" algn="l" defTabSz="914400" rtl="0" eaLnBrk="1" latinLnBrk="0" hangingPunct="1">
-              <a:lnSpc>
-                <a:spcPct val="90000"/>
-              </a:lnSpc>
-              <a:spcBef>
-                <a:spcPts val="500"/>
-              </a:spcBef>
-              <a:buFont typeface="Arial"/>
-              <a:buChar char="•"/>
-              <a:defRPr sz="1800" kern="1200">
-                <a:solidFill>
-                  <a:schemeClr val="tx1"/>
-                </a:solidFill>
-                <a:latin typeface="+mn-lt"/>
-                <a:ea typeface="+mn-ea"/>
-                <a:cs typeface="+mn-cs"/>
-              </a:defRPr>
-            </a:lvl9pPr>
-          </a:lstStyle>
-          <a:p>
-            <a:pPr marL="0" indent="0">
-              <a:lnSpc>
-                <a:spcPct val="100000"/>
-              </a:lnSpc>
-              <a:spcBef>
-                <a:spcPts val="0"/>
-              </a:spcBef>
-              <a:buFont typeface="Arial"/>
-              <a:buNone/>
-            </a:pPr>
-            <a:r>
-              <a:rPr lang="en-US" b="1" dirty="0" smtClean="0"/>
-              <a:t>4 Power</a:t>
-            </a:r>
-          </a:p>
-          <a:p>
-            <a:pPr marL="0" indent="0">
-              <a:lnSpc>
-                <a:spcPct val="100000"/>
-              </a:lnSpc>
-              <a:spcBef>
-                <a:spcPts val="0"/>
-              </a:spcBef>
-              <a:buFont typeface="Arial"/>
-              <a:buNone/>
-            </a:pPr>
-            <a:endParaRPr lang="en-US" b="1" dirty="0"/>
-          </a:p>
-        </p:txBody>
-      </p:sp>
-    </p:spTree>
-    <p:extLst>
-      <p:ext uri="{BB962C8B-B14F-4D97-AF65-F5344CB8AC3E}">
-        <p14:creationId xmlns:p14="http://schemas.microsoft.com/office/powerpoint/2010/main" val="1020358016"/>
-      </p:ext>
-    </p:extLst>
-  </p:cSld>
-  <p:clrMapOvr>
-    <a:masterClrMapping/>
-  </p:clrMapOvr>
-</p:sld>
-</file>
-
-<file path=ppt/slides/slide18.xml><?xml version="1.0" encoding="utf-8"?>
-<p:sld xmlns:a="http://schemas.openxmlformats.org/drawingml/2006/main" xmlns:r="http://schemas.openxmlformats.org/officeDocument/2006/relationships" xmlns:p="http://schemas.openxmlformats.org/presentationml/2006/main">
-  <p:cSld>
-    <p:spTree>
-      <p:nvGrpSpPr>
-        <p:cNvPr id="1" name=""/>
-        <p:cNvGrpSpPr/>
-        <p:nvPr/>
-      </p:nvGrpSpPr>
-      <p:grpSpPr>
-        <a:xfrm>
-          <a:off x="0" y="0"/>
-          <a:ext cx="0" cy="0"/>
-          <a:chOff x="0" y="0"/>
-          <a:chExt cx="0" cy="0"/>
-        </a:xfrm>
-      </p:grpSpPr>
-      <p:sp>
-        <p:nvSpPr>
-          <p:cNvPr id="2" name="Title 1"/>
-          <p:cNvSpPr>
-            <a:spLocks noGrp="1"/>
-          </p:cNvSpPr>
-          <p:nvPr>
-            <p:ph type="title"/>
-          </p:nvPr>
-        </p:nvSpPr>
-        <p:spPr/>
-        <p:txBody>
-          <a:bodyPr/>
-          <a:lstStyle/>
-          <a:p>
-            <a:r>
-              <a:rPr lang="en-US" dirty="0" smtClean="0"/>
-              <a:t>5. Define Subsystem Requirements</a:t>
-            </a:r>
-            <a:endParaRPr lang="en-US" dirty="0"/>
-          </a:p>
-        </p:txBody>
-      </p:sp>
-      <p:sp>
-        <p:nvSpPr>
-          <p:cNvPr id="5" name="Content Placeholder 4"/>
-          <p:cNvSpPr>
-            <a:spLocks noGrp="1"/>
-          </p:cNvSpPr>
-          <p:nvPr>
-            <p:ph idx="1"/>
-          </p:nvPr>
-        </p:nvSpPr>
-        <p:spPr>
-          <a:xfrm>
-            <a:off x="838200" y="1603169"/>
-            <a:ext cx="2570018" cy="4821382"/>
-          </a:xfrm>
-        </p:spPr>
-        <p:txBody>
-          <a:bodyPr/>
-          <a:lstStyle/>
-          <a:p>
-            <a:pPr marL="0" marR="0" lvl="0" indent="0" defTabSz="914400" eaLnBrk="1" fontAlgn="auto" latinLnBrk="0" hangingPunct="1">
-              <a:lnSpc>
-                <a:spcPct val="100000"/>
-              </a:lnSpc>
-              <a:spcBef>
-                <a:spcPts val="0"/>
-              </a:spcBef>
-              <a:spcAft>
-                <a:spcPts val="0"/>
-              </a:spcAft>
-              <a:buClrTx/>
-              <a:buSzTx/>
-              <a:buNone/>
-              <a:tabLst/>
-              <a:defRPr/>
-            </a:pPr>
-            <a:r>
-              <a:rPr lang="en-US" b="1" dirty="0" smtClean="0"/>
-              <a:t>1   Orbit</a:t>
-            </a:r>
-            <a:endParaRPr lang="en-US" dirty="0" smtClean="0"/>
-          </a:p>
-          <a:p>
-            <a:pPr marL="514350" marR="0" lvl="0" indent="-514350" defTabSz="914400" eaLnBrk="1" fontAlgn="auto" latinLnBrk="0" hangingPunct="1">
-              <a:lnSpc>
-                <a:spcPct val="100000"/>
-              </a:lnSpc>
-              <a:spcBef>
-                <a:spcPts val="0"/>
-              </a:spcBef>
-              <a:spcAft>
-                <a:spcPts val="0"/>
-              </a:spcAft>
-              <a:buClrTx/>
-              <a:buSzTx/>
-              <a:buFontTx/>
-              <a:buAutoNum type="arabicPeriod"/>
-              <a:tabLst/>
-              <a:defRPr/>
-            </a:pPr>
-            <a:endParaRPr lang="en-US" b="1" dirty="0"/>
-          </a:p>
           <a:p>
             <a:pPr marL="514350" marR="0" lvl="0" indent="-514350" defTabSz="914400" eaLnBrk="1" fontAlgn="auto" latinLnBrk="0" hangingPunct="1">
               <a:lnSpc>
@@ -6167,7 +6092,7 @@
 </p:sld>
 </file>
 
-<file path=ppt/slides/slide19.xml><?xml version="1.0" encoding="utf-8"?>
+<file path=ppt/slides/slide18.xml><?xml version="1.0" encoding="utf-8"?>
 <p:sld xmlns:a="http://schemas.openxmlformats.org/drawingml/2006/main" xmlns:r="http://schemas.openxmlformats.org/officeDocument/2006/relationships" xmlns:p="http://schemas.openxmlformats.org/presentationml/2006/main">
   <p:cSld>
     <p:spTree>
@@ -6647,335 +6572,115 @@
           <a:p>
             <a:r>
               <a:rPr lang="en-US" dirty="0" smtClean="0"/>
-              <a:t>Key Equations</a:t>
+              <a:t>What is orbit?</a:t>
             </a:r>
             <a:endParaRPr lang="en-US" dirty="0"/>
           </a:p>
         </p:txBody>
       </p:sp>
-      <mc:AlternateContent xmlns:mc="http://schemas.openxmlformats.org/markup-compatibility/2006">
-        <mc:Choice xmlns:a14="http://schemas.microsoft.com/office/drawing/2010/main" Requires="a14">
-          <p:sp>
-            <p:nvSpPr>
-              <p:cNvPr id="3" name="Content Placeholder 2"/>
-              <p:cNvSpPr>
-                <a:spLocks noGrp="1"/>
-              </p:cNvSpPr>
-              <p:nvPr>
-                <p:ph idx="1"/>
-              </p:nvPr>
-            </p:nvSpPr>
-            <p:spPr/>
-            <p:txBody>
-              <a:bodyPr/>
-              <a:lstStyle/>
-              <a:p>
-                <a:r>
-                  <a:rPr lang="en-US" dirty="0" smtClean="0"/>
-                  <a:t>Force of gravity:</a:t>
-                </a:r>
-              </a:p>
-              <a:p>
-                <a:endParaRPr lang="en-US" dirty="0" smtClean="0"/>
-              </a:p>
-              <a:p>
-                <a:pPr marL="0" indent="0">
-                  <a:buNone/>
-                </a:pPr>
-                <a14:m>
-                  <m:oMathPara xmlns:m="http://schemas.openxmlformats.org/officeDocument/2006/math">
-                    <m:oMathParaPr>
-                      <m:jc m:val="centerGroup"/>
-                    </m:oMathParaPr>
-                    <m:oMath xmlns:m="http://schemas.openxmlformats.org/officeDocument/2006/math">
-                      <m:sSub>
-                        <m:sSubPr>
-                          <m:ctrlPr>
-                            <a:rPr lang="en-US" b="0" i="1" smtClean="0">
-                              <a:latin typeface="Cambria Math" charset="0"/>
-                            </a:rPr>
-                          </m:ctrlPr>
-                        </m:sSubPr>
-                        <m:e>
-                          <m:r>
-                            <a:rPr lang="en-US" b="0" i="1" smtClean="0">
-                              <a:latin typeface="Cambria Math" charset="0"/>
-                            </a:rPr>
-                            <m:t>𝐹</m:t>
-                          </m:r>
-                        </m:e>
-                        <m:sub>
-                          <m:r>
-                            <a:rPr lang="en-US" b="0" i="1" smtClean="0">
-                              <a:latin typeface="Cambria Math" charset="0"/>
-                            </a:rPr>
-                            <m:t>𝑔</m:t>
-                          </m:r>
-                        </m:sub>
-                      </m:sSub>
-                      <m:r>
-                        <a:rPr lang="en-US" b="0" i="1" smtClean="0">
-                          <a:latin typeface="Cambria Math" charset="0"/>
-                        </a:rPr>
-                        <m:t>=</m:t>
-                      </m:r>
-                      <m:f>
-                        <m:fPr>
-                          <m:ctrlPr>
-                            <a:rPr lang="mr-IN" b="0" i="1" smtClean="0">
-                              <a:latin typeface="Cambria Math" charset="0"/>
-                            </a:rPr>
-                          </m:ctrlPr>
-                        </m:fPr>
-                        <m:num>
-                          <m:r>
-                            <a:rPr lang="en-US" b="0" i="1" smtClean="0">
-                              <a:latin typeface="Cambria Math" charset="0"/>
-                            </a:rPr>
-                            <m:t>𝐺</m:t>
-                          </m:r>
-                          <m:sSub>
-                            <m:sSubPr>
-                              <m:ctrlPr>
-                                <a:rPr lang="en-US" b="0" i="1" smtClean="0">
-                                  <a:latin typeface="Cambria Math" charset="0"/>
-                                </a:rPr>
-                              </m:ctrlPr>
-                            </m:sSubPr>
-                            <m:e>
-                              <m:r>
-                                <a:rPr lang="en-US" b="0" i="1" smtClean="0">
-                                  <a:latin typeface="Cambria Math" charset="0"/>
-                                </a:rPr>
-                                <m:t>𝑚</m:t>
-                              </m:r>
-                            </m:e>
-                            <m:sub>
-                              <m:r>
-                                <a:rPr lang="en-US" b="0" i="1" smtClean="0">
-                                  <a:latin typeface="Cambria Math" charset="0"/>
-                                </a:rPr>
-                                <m:t>1</m:t>
-                              </m:r>
-                            </m:sub>
-                          </m:sSub>
-                          <m:sSub>
-                            <m:sSubPr>
-                              <m:ctrlPr>
-                                <a:rPr lang="en-US" b="0" i="1" smtClean="0">
-                                  <a:latin typeface="Cambria Math" charset="0"/>
-                                </a:rPr>
-                              </m:ctrlPr>
-                            </m:sSubPr>
-                            <m:e>
-                              <m:r>
-                                <a:rPr lang="en-US" b="0" i="1" smtClean="0">
-                                  <a:latin typeface="Cambria Math" charset="0"/>
-                                </a:rPr>
-                                <m:t>𝑚</m:t>
-                              </m:r>
-                            </m:e>
-                            <m:sub>
-                              <m:r>
-                                <a:rPr lang="en-US" b="0" i="1" smtClean="0">
-                                  <a:latin typeface="Cambria Math" charset="0"/>
-                                </a:rPr>
-                                <m:t>2</m:t>
-                              </m:r>
-                            </m:sub>
-                          </m:sSub>
-                        </m:num>
-                        <m:den>
-                          <m:sSup>
-                            <m:sSupPr>
-                              <m:ctrlPr>
-                                <a:rPr lang="mr-IN" b="0" i="1" smtClean="0">
-                                  <a:latin typeface="Cambria Math" charset="0"/>
-                                </a:rPr>
-                              </m:ctrlPr>
-                            </m:sSupPr>
-                            <m:e>
-                              <m:r>
-                                <a:rPr lang="en-US" b="0" i="1" smtClean="0">
-                                  <a:latin typeface="Cambria Math" charset="0"/>
-                                </a:rPr>
-                                <m:t>𝑟</m:t>
-                              </m:r>
-                            </m:e>
-                            <m:sup>
-                              <m:r>
-                                <a:rPr lang="en-US" b="0" i="1" smtClean="0">
-                                  <a:latin typeface="Cambria Math" charset="0"/>
-                                </a:rPr>
-                                <m:t>2</m:t>
-                              </m:r>
-                            </m:sup>
-                          </m:sSup>
-                        </m:den>
-                      </m:f>
-                    </m:oMath>
-                  </m:oMathPara>
-                </a14:m>
-                <a:endParaRPr lang="en-US" dirty="0"/>
-              </a:p>
-              <a:p>
-                <a:endParaRPr lang="en-US" dirty="0"/>
-              </a:p>
-              <a:p>
-                <a:r>
-                  <a:rPr lang="en-US" dirty="0" smtClean="0"/>
-                  <a:t>Centripetal Force</a:t>
-                </a:r>
-              </a:p>
-              <a:p>
-                <a:endParaRPr lang="en-US" dirty="0"/>
-              </a:p>
-              <a:p>
-                <a:pPr marL="0" indent="0">
-                  <a:buNone/>
-                </a:pPr>
-                <a14:m>
-                  <m:oMathPara xmlns:m="http://schemas.openxmlformats.org/officeDocument/2006/math">
-                    <m:oMathParaPr>
-                      <m:jc m:val="centerGroup"/>
-                    </m:oMathParaPr>
-                    <m:oMath xmlns:m="http://schemas.openxmlformats.org/officeDocument/2006/math">
-                      <m:sSub>
-                        <m:sSubPr>
-                          <m:ctrlPr>
-                            <a:rPr lang="en-US" b="0" i="1" smtClean="0">
-                              <a:latin typeface="Cambria Math" charset="0"/>
-                            </a:rPr>
-                          </m:ctrlPr>
-                        </m:sSubPr>
-                        <m:e>
-                          <m:r>
-                            <a:rPr lang="en-US" b="0" i="1" smtClean="0">
-                              <a:latin typeface="Cambria Math" charset="0"/>
-                            </a:rPr>
-                            <m:t>𝐹</m:t>
-                          </m:r>
-                        </m:e>
-                        <m:sub>
-                          <m:r>
-                            <a:rPr lang="en-US" b="0" i="1" smtClean="0">
-                              <a:latin typeface="Cambria Math" charset="0"/>
-                            </a:rPr>
-                            <m:t>𝑐</m:t>
-                          </m:r>
-                        </m:sub>
-                      </m:sSub>
-                      <m:r>
-                        <a:rPr lang="en-US" b="0" i="1" smtClean="0">
-                          <a:latin typeface="Cambria Math" charset="0"/>
-                        </a:rPr>
-                        <m:t>=</m:t>
-                      </m:r>
-                      <m:f>
-                        <m:fPr>
-                          <m:ctrlPr>
-                            <a:rPr lang="mr-IN" b="0" i="1" smtClean="0">
-                              <a:latin typeface="Cambria Math" charset="0"/>
-                            </a:rPr>
-                          </m:ctrlPr>
-                        </m:fPr>
-                        <m:num>
-                          <m:sSup>
-                            <m:sSupPr>
-                              <m:ctrlPr>
-                                <a:rPr lang="mr-IN" b="0" i="1" smtClean="0">
-                                  <a:latin typeface="Cambria Math" charset="0"/>
-                                </a:rPr>
-                              </m:ctrlPr>
-                            </m:sSupPr>
-                            <m:e>
-                              <m:r>
-                                <a:rPr lang="en-US" b="0" i="1" smtClean="0">
-                                  <a:latin typeface="Cambria Math" charset="0"/>
-                                </a:rPr>
-                                <m:t>𝑚</m:t>
-                              </m:r>
-                              <m:r>
-                                <a:rPr lang="en-US" b="0" i="1" smtClean="0">
-                                  <a:latin typeface="Cambria Math" charset="0"/>
-                                </a:rPr>
-                                <m:t>𝑣</m:t>
-                              </m:r>
-                            </m:e>
-                            <m:sup>
-                              <m:r>
-                                <a:rPr lang="en-US" b="0" i="1" smtClean="0">
-                                  <a:latin typeface="Cambria Math" charset="0"/>
-                                </a:rPr>
-                                <m:t>2</m:t>
-                              </m:r>
-                            </m:sup>
-                          </m:sSup>
-                        </m:num>
-                        <m:den>
-                          <m:r>
-                            <a:rPr lang="en-US" b="0" i="1" smtClean="0">
-                              <a:latin typeface="Cambria Math" charset="0"/>
-                            </a:rPr>
-                            <m:t>𝑟</m:t>
-                          </m:r>
-                        </m:den>
-                      </m:f>
-                    </m:oMath>
-                  </m:oMathPara>
-                </a14:m>
-                <a:endParaRPr lang="en-US" dirty="0"/>
-              </a:p>
-              <a:p>
-                <a:pPr marL="0" indent="0">
-                  <a:buNone/>
-                </a:pPr>
-                <a:endParaRPr lang="en-US" dirty="0"/>
-              </a:p>
-              <a:p>
-                <a:endParaRPr lang="en-US" dirty="0"/>
-              </a:p>
-            </p:txBody>
-          </p:sp>
-        </mc:Choice>
-        <mc:Fallback>
-          <p:sp>
-            <p:nvSpPr>
-              <p:cNvPr id="3" name="Content Placeholder 2"/>
-              <p:cNvSpPr>
-                <a:spLocks noGrp="1" noRot="1" noChangeAspect="1" noMove="1" noResize="1" noEditPoints="1" noAdjustHandles="1" noChangeArrowheads="1" noChangeShapeType="1" noTextEdit="1"/>
-              </p:cNvSpPr>
-              <p:nvPr>
-                <p:ph idx="1"/>
-              </p:nvPr>
-            </p:nvSpPr>
-            <p:spPr>
-              <a:blipFill rotWithShape="0">
-                <a:blip r:embed="rId2"/>
-                <a:stretch>
-                  <a:fillRect l="-1043" t="-2241"/>
-                </a:stretch>
-              </a:blipFill>
-            </p:spPr>
-            <p:txBody>
-              <a:bodyPr/>
-              <a:lstStyle/>
-              <a:p>
-                <a:r>
-                  <a:rPr lang="en-US">
-                    <a:noFill/>
-                  </a:rPr>
-                  <a:t> </a:t>
-                </a:r>
-              </a:p>
-            </p:txBody>
-          </p:sp>
-        </mc:Fallback>
-      </mc:AlternateContent>
+      <p:sp>
+        <p:nvSpPr>
+          <p:cNvPr id="3" name="Content Placeholder 2"/>
+          <p:cNvSpPr>
+            <a:spLocks noGrp="1"/>
+          </p:cNvSpPr>
+          <p:nvPr>
+            <p:ph idx="1"/>
+          </p:nvPr>
+        </p:nvSpPr>
+        <p:spPr/>
+        <p:txBody>
+          <a:bodyPr/>
+          <a:lstStyle/>
+          <a:p>
+            <a:pPr>
+              <a:lnSpc>
+                <a:spcPct val="100000"/>
+              </a:lnSpc>
+              <a:spcBef>
+                <a:spcPts val="0"/>
+              </a:spcBef>
+              <a:spcAft>
+                <a:spcPts val="1200"/>
+              </a:spcAft>
+            </a:pPr>
+            <a:r>
+              <a:rPr lang="en-US" dirty="0" smtClean="0"/>
+              <a:t>Orbit is when a satellite circles the Earth</a:t>
+            </a:r>
+          </a:p>
+          <a:p>
+            <a:pPr>
+              <a:lnSpc>
+                <a:spcPct val="100000"/>
+              </a:lnSpc>
+              <a:spcBef>
+                <a:spcPts val="0"/>
+              </a:spcBef>
+              <a:spcAft>
+                <a:spcPts val="1200"/>
+              </a:spcAft>
+            </a:pPr>
+            <a:r>
+              <a:rPr lang="en-US" dirty="0" smtClean="0"/>
+              <a:t>Satellites “stay” in orbit due to gravity</a:t>
+            </a:r>
+          </a:p>
+          <a:p>
+            <a:pPr>
+              <a:lnSpc>
+                <a:spcPct val="100000"/>
+              </a:lnSpc>
+              <a:spcBef>
+                <a:spcPts val="0"/>
+              </a:spcBef>
+              <a:spcAft>
+                <a:spcPts val="1200"/>
+              </a:spcAft>
+            </a:pPr>
+            <a:r>
+              <a:rPr lang="en-US" dirty="0" smtClean="0"/>
+              <a:t>Gravity acts as a centripetal force</a:t>
+            </a:r>
+          </a:p>
+          <a:p>
+            <a:pPr>
+              <a:lnSpc>
+                <a:spcPct val="100000"/>
+              </a:lnSpc>
+              <a:spcBef>
+                <a:spcPts val="0"/>
+              </a:spcBef>
+              <a:spcAft>
+                <a:spcPts val="1200"/>
+              </a:spcAft>
+            </a:pPr>
+            <a:endParaRPr lang="en-US" dirty="0"/>
+          </a:p>
+          <a:p>
+            <a:pPr>
+              <a:lnSpc>
+                <a:spcPct val="100000"/>
+              </a:lnSpc>
+              <a:spcBef>
+                <a:spcPts val="0"/>
+              </a:spcBef>
+              <a:spcAft>
+                <a:spcPts val="1200"/>
+              </a:spcAft>
+            </a:pPr>
+            <a:r>
+              <a:rPr lang="en-US" dirty="0" smtClean="0"/>
+              <a:t>Let’s derive how orbits work!</a:t>
+            </a:r>
+            <a:endParaRPr lang="en-US" dirty="0"/>
+          </a:p>
+        </p:txBody>
+      </p:sp>
     </p:spTree>
     <p:extLst>
       <p:ext uri="{BB962C8B-B14F-4D97-AF65-F5344CB8AC3E}">
-        <p14:creationId xmlns:p14="http://schemas.microsoft.com/office/powerpoint/2010/main" val="891696839"/>
+        <p14:creationId xmlns:p14="http://schemas.microsoft.com/office/powerpoint/2010/main" val="1443594823"/>
       </p:ext>
     </p:extLst>
   </p:cSld>
@@ -7019,166 +6724,14 @@
           <a:p>
             <a:r>
               <a:rPr lang="en-US" dirty="0" smtClean="0"/>
-              <a:t>What is orbit?</a:t>
+              <a:t>Derive</a:t>
             </a:r>
             <a:endParaRPr lang="en-US" dirty="0"/>
           </a:p>
         </p:txBody>
       </p:sp>
-      <p:sp>
-        <p:nvSpPr>
-          <p:cNvPr id="3" name="Content Placeholder 2"/>
-          <p:cNvSpPr>
-            <a:spLocks noGrp="1"/>
-          </p:cNvSpPr>
-          <p:nvPr>
-            <p:ph idx="1"/>
-          </p:nvPr>
-        </p:nvSpPr>
-        <p:spPr/>
-        <p:txBody>
-          <a:bodyPr/>
-          <a:lstStyle/>
-          <a:p>
-            <a:pPr>
-              <a:lnSpc>
-                <a:spcPct val="100000"/>
-              </a:lnSpc>
-              <a:spcBef>
-                <a:spcPts val="0"/>
-              </a:spcBef>
-              <a:spcAft>
-                <a:spcPts val="1200"/>
-              </a:spcAft>
-            </a:pPr>
-            <a:r>
-              <a:rPr lang="en-US" dirty="0" smtClean="0"/>
-              <a:t>Orbit is when a satellite circles the Earth</a:t>
-            </a:r>
-          </a:p>
-          <a:p>
-            <a:pPr>
-              <a:lnSpc>
-                <a:spcPct val="100000"/>
-              </a:lnSpc>
-              <a:spcBef>
-                <a:spcPts val="0"/>
-              </a:spcBef>
-              <a:spcAft>
-                <a:spcPts val="1200"/>
-              </a:spcAft>
-            </a:pPr>
-            <a:r>
-              <a:rPr lang="en-US" dirty="0" smtClean="0"/>
-              <a:t>Satellites “stay” in orbit due to gravity</a:t>
-            </a:r>
-          </a:p>
-          <a:p>
-            <a:pPr>
-              <a:lnSpc>
-                <a:spcPct val="100000"/>
-              </a:lnSpc>
-              <a:spcBef>
-                <a:spcPts val="0"/>
-              </a:spcBef>
-              <a:spcAft>
-                <a:spcPts val="1200"/>
-              </a:spcAft>
-            </a:pPr>
-            <a:r>
-              <a:rPr lang="en-US" dirty="0" smtClean="0"/>
-              <a:t>Gravity acts as a centripetal force</a:t>
-            </a:r>
-          </a:p>
-          <a:p>
-            <a:pPr>
-              <a:lnSpc>
-                <a:spcPct val="100000"/>
-              </a:lnSpc>
-              <a:spcBef>
-                <a:spcPts val="0"/>
-              </a:spcBef>
-              <a:spcAft>
-                <a:spcPts val="1200"/>
-              </a:spcAft>
-            </a:pPr>
-            <a:endParaRPr lang="en-US" dirty="0"/>
-          </a:p>
-          <a:p>
-            <a:pPr>
-              <a:lnSpc>
-                <a:spcPct val="100000"/>
-              </a:lnSpc>
-              <a:spcBef>
-                <a:spcPts val="0"/>
-              </a:spcBef>
-              <a:spcAft>
-                <a:spcPts val="1200"/>
-              </a:spcAft>
-            </a:pPr>
-            <a:r>
-              <a:rPr lang="en-US" dirty="0" smtClean="0"/>
-              <a:t>Let’s derive how orbits work!</a:t>
-            </a:r>
-            <a:endParaRPr lang="en-US" dirty="0"/>
-          </a:p>
-        </p:txBody>
-      </p:sp>
-    </p:spTree>
-    <p:extLst>
-      <p:ext uri="{BB962C8B-B14F-4D97-AF65-F5344CB8AC3E}">
-        <p14:creationId xmlns:p14="http://schemas.microsoft.com/office/powerpoint/2010/main" val="1443594823"/>
-      </p:ext>
-    </p:extLst>
-  </p:cSld>
-  <p:clrMapOvr>
-    <a:masterClrMapping/>
-  </p:clrMapOvr>
-</p:sld>
-</file>
-
-<file path=ppt/slides/slide7.xml><?xml version="1.0" encoding="utf-8"?>
-<p:sld xmlns:a="http://schemas.openxmlformats.org/drawingml/2006/main" xmlns:r="http://schemas.openxmlformats.org/officeDocument/2006/relationships" xmlns:p="http://schemas.openxmlformats.org/presentationml/2006/main">
-  <p:cSld>
-    <p:spTree>
-      <p:nvGrpSpPr>
-        <p:cNvPr id="1" name=""/>
-        <p:cNvGrpSpPr/>
-        <p:nvPr/>
-      </p:nvGrpSpPr>
-      <p:grpSpPr>
-        <a:xfrm>
-          <a:off x="0" y="0"/>
-          <a:ext cx="0" cy="0"/>
-          <a:chOff x="0" y="0"/>
-          <a:chExt cx="0" cy="0"/>
-        </a:xfrm>
-      </p:grpSpPr>
-      <p:sp>
-        <p:nvSpPr>
-          <p:cNvPr id="2" name="Title 1"/>
-          <p:cNvSpPr>
-            <a:spLocks noGrp="1"/>
-          </p:cNvSpPr>
-          <p:nvPr>
-            <p:ph type="title"/>
-          </p:nvPr>
-        </p:nvSpPr>
-        <p:spPr/>
-        <p:txBody>
-          <a:bodyPr/>
-          <a:lstStyle/>
-          <a:p>
-            <a:r>
-              <a:rPr lang="en-US" dirty="0" smtClean="0"/>
-              <a:t>Derive</a:t>
-            </a:r>
-            <a:endParaRPr lang="en-US" dirty="0"/>
-          </a:p>
-        </p:txBody>
-      </p:sp>
-      <mc:AlternateContent xmlns:mc="http://schemas.openxmlformats.org/markup-compatibility/2006">
-        <mc:Choice xmlns:a14="http://schemas.microsoft.com/office/drawing/2010/main" Requires="a14">
+      <mc:AlternateContent xmlns:mc="http://schemas.openxmlformats.org/markup-compatibility/2006" xmlns:a14="http://schemas.microsoft.com/office/drawing/2010/main">
+        <mc:Choice Requires="a14">
           <p:sp>
             <p:nvSpPr>
               <p:cNvPr id="3" name="Content Placeholder 2"/>
@@ -7726,7 +7279,7 @@
             </p:txBody>
           </p:sp>
         </mc:Choice>
-        <mc:Fallback>
+        <mc:Fallback xmlns="">
           <p:sp>
             <p:nvSpPr>
               <p:cNvPr id="3" name="Content Placeholder 2"/>
@@ -7773,7 +7326,7 @@
 </p:sld>
 </file>
 
-<file path=ppt/slides/slide8.xml><?xml version="1.0" encoding="utf-8"?>
+<file path=ppt/slides/slide7.xml><?xml version="1.0" encoding="utf-8"?>
 <p:sld xmlns:a="http://schemas.openxmlformats.org/drawingml/2006/main" xmlns:r="http://schemas.openxmlformats.org/officeDocument/2006/relationships" xmlns:p="http://schemas.openxmlformats.org/presentationml/2006/main">
   <p:cSld>
     <p:spTree>
@@ -7815,8 +7368,8 @@
           </a:p>
         </p:txBody>
       </p:sp>
-      <mc:AlternateContent xmlns:mc="http://schemas.openxmlformats.org/markup-compatibility/2006">
-        <mc:Choice xmlns:a14="http://schemas.microsoft.com/office/drawing/2010/main" Requires="a14">
+      <mc:AlternateContent xmlns:mc="http://schemas.openxmlformats.org/markup-compatibility/2006" xmlns:a14="http://schemas.microsoft.com/office/drawing/2010/main">
+        <mc:Choice Requires="a14">
           <p:sp>
             <p:nvSpPr>
               <p:cNvPr id="3" name="Content Placeholder 2"/>
@@ -8078,7 +7631,7 @@
             </p:txBody>
           </p:sp>
         </mc:Choice>
-        <mc:Fallback>
+        <mc:Fallback xmlns="">
           <p:sp>
             <p:nvSpPr>
               <p:cNvPr id="3" name="Content Placeholder 2"/>
@@ -8125,6 +7678,126 @@
 </p:sld>
 </file>
 
+<file path=ppt/slides/slide8.xml><?xml version="1.0" encoding="utf-8"?>
+<p:sld xmlns:a="http://schemas.openxmlformats.org/drawingml/2006/main" xmlns:r="http://schemas.openxmlformats.org/officeDocument/2006/relationships" xmlns:p="http://schemas.openxmlformats.org/presentationml/2006/main">
+  <p:cSld>
+    <p:spTree>
+      <p:nvGrpSpPr>
+        <p:cNvPr id="1" name=""/>
+        <p:cNvGrpSpPr/>
+        <p:nvPr/>
+      </p:nvGrpSpPr>
+      <p:grpSpPr>
+        <a:xfrm>
+          <a:off x="0" y="0"/>
+          <a:ext cx="0" cy="0"/>
+          <a:chOff x="0" y="0"/>
+          <a:chExt cx="0" cy="0"/>
+        </a:xfrm>
+      </p:grpSpPr>
+      <p:sp>
+        <p:nvSpPr>
+          <p:cNvPr id="2" name="Title 1"/>
+          <p:cNvSpPr>
+            <a:spLocks noGrp="1"/>
+          </p:cNvSpPr>
+          <p:nvPr>
+            <p:ph type="title"/>
+          </p:nvPr>
+        </p:nvSpPr>
+        <p:spPr/>
+        <p:txBody>
+          <a:bodyPr/>
+          <a:lstStyle/>
+          <a:p>
+            <a:r>
+              <a:rPr lang="en-US" dirty="0" smtClean="0"/>
+              <a:t>How fast do our satellites need to go?</a:t>
+            </a:r>
+            <a:endParaRPr lang="en-US" dirty="0"/>
+          </a:p>
+        </p:txBody>
+      </p:sp>
+      <p:sp>
+        <p:nvSpPr>
+          <p:cNvPr id="3" name="Content Placeholder 2"/>
+          <p:cNvSpPr>
+            <a:spLocks noGrp="1"/>
+          </p:cNvSpPr>
+          <p:nvPr>
+            <p:ph idx="1"/>
+          </p:nvPr>
+        </p:nvSpPr>
+        <p:spPr/>
+        <p:txBody>
+          <a:bodyPr/>
+          <a:lstStyle/>
+          <a:p>
+            <a:pPr>
+              <a:lnSpc>
+                <a:spcPct val="150000"/>
+              </a:lnSpc>
+              <a:spcAft>
+                <a:spcPts val="600"/>
+              </a:spcAft>
+            </a:pPr>
+            <a:r>
+              <a:rPr lang="en-US" dirty="0" smtClean="0"/>
+              <a:t>At a height of 429 km above the Earth, our satellites need to go ~27,550 km/</a:t>
+            </a:r>
+            <a:r>
+              <a:rPr lang="en-US" dirty="0" err="1" smtClean="0"/>
+              <a:t>hr</a:t>
+            </a:r>
+            <a:r>
+              <a:rPr lang="en-US" dirty="0" smtClean="0"/>
+              <a:t>!</a:t>
+            </a:r>
+          </a:p>
+          <a:p>
+            <a:pPr>
+              <a:lnSpc>
+                <a:spcPct val="150000"/>
+              </a:lnSpc>
+              <a:spcAft>
+                <a:spcPts val="600"/>
+              </a:spcAft>
+            </a:pPr>
+            <a:r>
+              <a:rPr lang="en-US" dirty="0" smtClean="0"/>
+              <a:t>What happens to that speed if we increase the mass of the satellite?</a:t>
+            </a:r>
+          </a:p>
+          <a:p>
+            <a:pPr>
+              <a:lnSpc>
+                <a:spcPct val="150000"/>
+              </a:lnSpc>
+              <a:spcAft>
+                <a:spcPts val="600"/>
+              </a:spcAft>
+            </a:pPr>
+            <a:r>
+              <a:rPr lang="en-US" dirty="0" smtClean="0"/>
+              <a:t>What happens to that speed if we increase the height of the orbit? What about decrease?</a:t>
+            </a:r>
+            <a:endParaRPr lang="en-US" dirty="0"/>
+          </a:p>
+        </p:txBody>
+      </p:sp>
+    </p:spTree>
+    <p:extLst>
+      <p:ext uri="{BB962C8B-B14F-4D97-AF65-F5344CB8AC3E}">
+        <p14:creationId xmlns:p14="http://schemas.microsoft.com/office/powerpoint/2010/main" val="1371227721"/>
+      </p:ext>
+    </p:extLst>
+  </p:cSld>
+  <p:clrMapOvr>
+    <a:masterClrMapping/>
+  </p:clrMapOvr>
+</p:sld>
+</file>
+
 <file path=ppt/slides/slide9.xml><?xml version="1.0" encoding="utf-8"?>
 <p:sld xmlns:a="http://schemas.openxmlformats.org/drawingml/2006/main" xmlns:r="http://schemas.openxmlformats.org/officeDocument/2006/relationships" xmlns:p="http://schemas.openxmlformats.org/presentationml/2006/main">
   <p:cSld>
@@ -8159,7 +7832,7 @@
           <a:p>
             <a:r>
               <a:rPr lang="en-US" dirty="0" smtClean="0"/>
-              <a:t>How fast do our satellites need to go?</a:t>
+              <a:t>1. Problem Statement: Designing a satellite</a:t>
             </a:r>
             <a:endParaRPr lang="en-US" dirty="0"/>
           </a:p>
@@ -8180,53 +7853,12 @@
           <a:bodyPr/>
           <a:lstStyle/>
           <a:p>
-            <a:pPr>
-              <a:lnSpc>
-                <a:spcPct val="150000"/>
-              </a:lnSpc>
-              <a:spcAft>
-                <a:spcPts val="600"/>
-              </a:spcAft>
+            <a:pPr marL="0" indent="0">
+              <a:buNone/>
             </a:pPr>
             <a:r>
               <a:rPr lang="en-US" dirty="0" smtClean="0"/>
-              <a:t>At a height of 429 km above the Earth, our satellites need to go ~27,550 km/</a:t>
-            </a:r>
-            <a:r>
-              <a:rPr lang="en-US" dirty="0" err="1" smtClean="0"/>
-              <a:t>hr</a:t>
-            </a:r>
-            <a:r>
-              <a:rPr lang="en-US" dirty="0" smtClean="0"/>
-              <a:t>!</a:t>
-            </a:r>
-          </a:p>
-          <a:p>
-            <a:pPr>
-              <a:lnSpc>
-                <a:spcPct val="150000"/>
-              </a:lnSpc>
-              <a:spcAft>
-                <a:spcPts val="600"/>
-              </a:spcAft>
-            </a:pPr>
-            <a:r>
-              <a:rPr lang="en-US" dirty="0" smtClean="0"/>
-              <a:t>What happens to that speed if we increase the mass of the satellite?</a:t>
-            </a:r>
-          </a:p>
-          <a:p>
-            <a:pPr>
-              <a:lnSpc>
-                <a:spcPct val="150000"/>
-              </a:lnSpc>
-              <a:spcAft>
-                <a:spcPts val="600"/>
-              </a:spcAft>
-            </a:pPr>
-            <a:r>
-              <a:rPr lang="en-US" dirty="0" smtClean="0"/>
-              <a:t>What happens to that speed if we increase the height of the orbit? What about decrease?</a:t>
+              <a:t>I want to create a system that can take pictures of Kazakhstan from space</a:t>
             </a:r>
             <a:endParaRPr lang="en-US" dirty="0"/>
           </a:p>
@@ -8235,7 +7867,7 @@
     </p:spTree>
     <p:extLst>
       <p:ext uri="{BB962C8B-B14F-4D97-AF65-F5344CB8AC3E}">
-        <p14:creationId xmlns:p14="http://schemas.microsoft.com/office/powerpoint/2010/main" val="1371227721"/>
+        <p14:creationId xmlns:p14="http://schemas.microsoft.com/office/powerpoint/2010/main" val="857986646"/>
       </p:ext>
     </p:extLst>
   </p:cSld>
